--- a/FIT History Tours Presentation.pptx
+++ b/FIT History Tours Presentation.pptx
@@ -2,22 +2,23 @@
 <file path=ppt/presentation.xml><?xml version="1.0" encoding="utf-8"?>
 <p:presentation xmlns:a="http://schemas.openxmlformats.org/drawingml/2006/main" xmlns:r="http://schemas.openxmlformats.org/officeDocument/2006/relationships" xmlns:mc="http://schemas.openxmlformats.org/markup-compatibility/2006" xmlns:mv="urn:schemas-microsoft-com:mac:vml" xmlns:p="http://schemas.openxmlformats.org/presentationml/2006/main" xmlns:c="http://schemas.openxmlformats.org/drawingml/2006/chart" xmlns:dgm="http://schemas.openxmlformats.org/drawingml/2006/diagram" xmlns:o="urn:schemas-microsoft-com:office:office" xmlns:v="urn:schemas-microsoft-com:vml" xmlns:pvml="urn:schemas-microsoft-com:office:powerpoint" xmlns:com="http://schemas.openxmlformats.org/drawingml/2006/compatibility" xmlns:p14="http://schemas.microsoft.com/office/powerpoint/2010/main" xmlns:p15="http://schemas.microsoft.com/office/powerpoint/2012/main" xmlns:ahyp="http://schemas.microsoft.com/office/drawing/2018/hyperlinkcolor" autoCompressPictures="0" embedTrueTypeFonts="1" strictFirstAndLastChars="0" saveSubsetFonts="1">
   <p:sldMasterIdLst>
-    <p:sldMasterId id="2147483659" r:id="rId6"/>
+    <p:sldMasterId id="2147483659" r:id="rId5"/>
   </p:sldMasterIdLst>
   <p:notesMasterIdLst>
-    <p:notesMasterId r:id="rId7"/>
+    <p:notesMasterId r:id="rId6"/>
   </p:notesMasterIdLst>
   <p:sldIdLst>
-    <p:sldId id="256" r:id="rId8"/>
-    <p:sldId id="257" r:id="rId9"/>
-    <p:sldId id="258" r:id="rId10"/>
-    <p:sldId id="259" r:id="rId11"/>
-    <p:sldId id="260" r:id="rId12"/>
-    <p:sldId id="261" r:id="rId13"/>
-    <p:sldId id="262" r:id="rId14"/>
-    <p:sldId id="263" r:id="rId15"/>
-    <p:sldId id="264" r:id="rId16"/>
-    <p:sldId id="265" r:id="rId17"/>
+    <p:sldId id="256" r:id="rId7"/>
+    <p:sldId id="257" r:id="rId8"/>
+    <p:sldId id="258" r:id="rId9"/>
+    <p:sldId id="259" r:id="rId10"/>
+    <p:sldId id="260" r:id="rId11"/>
+    <p:sldId id="261" r:id="rId12"/>
+    <p:sldId id="262" r:id="rId13"/>
+    <p:sldId id="263" r:id="rId14"/>
+    <p:sldId id="264" r:id="rId15"/>
+    <p:sldId id="265" r:id="rId16"/>
+    <p:sldId id="266" r:id="rId17"/>
   </p:sldIdLst>
   <p:sldSz cy="5143500" cx="9144000"/>
   <p:notesSz cx="6858000" cy="9144000"/>
@@ -283,21 +284,6 @@
     </p:ext>
   </p:extLst>
 </p:presentation>
-</file>
-
-<file path=ppt/commentAuthors.xml><?xml version="1.0" encoding="utf-8"?>
-<p:cmAuthorLst xmlns:a="http://schemas.openxmlformats.org/drawingml/2006/main" xmlns:r="http://schemas.openxmlformats.org/officeDocument/2006/relationships" xmlns:mc="http://schemas.openxmlformats.org/markup-compatibility/2006" xmlns:mv="urn:schemas-microsoft-com:mac:vml" xmlns:p="http://schemas.openxmlformats.org/presentationml/2006/main" xmlns:c="http://schemas.openxmlformats.org/drawingml/2006/chart" xmlns:dgm="http://schemas.openxmlformats.org/drawingml/2006/diagram" xmlns:o="urn:schemas-microsoft-com:office:office" xmlns:v="urn:schemas-microsoft-com:vml" xmlns:pvml="urn:schemas-microsoft-com:office:powerpoint" xmlns:com="http://schemas.openxmlformats.org/drawingml/2006/compatibility" xmlns:p14="http://schemas.microsoft.com/office/powerpoint/2010/main" xmlns:p15="http://schemas.microsoft.com/office/powerpoint/2012/main" xmlns:ahyp="http://schemas.microsoft.com/office/drawing/2018/hyperlinkcolor">
-  <p:cmAuthor clrIdx="0" id="0" initials="" lastIdx="1" name="Matthew Tokarski"/>
-</p:cmAuthorLst>
-</file>
-
-<file path=ppt/comments/comment1.xml><?xml version="1.0" encoding="utf-8"?>
-<p:cmLst xmlns:a="http://schemas.openxmlformats.org/drawingml/2006/main" xmlns:r="http://schemas.openxmlformats.org/officeDocument/2006/relationships" xmlns:mc="http://schemas.openxmlformats.org/markup-compatibility/2006" xmlns:mv="urn:schemas-microsoft-com:mac:vml" xmlns:p="http://schemas.openxmlformats.org/presentationml/2006/main" xmlns:c="http://schemas.openxmlformats.org/drawingml/2006/chart" xmlns:dgm="http://schemas.openxmlformats.org/drawingml/2006/diagram" xmlns:o="urn:schemas-microsoft-com:office:office" xmlns:v="urn:schemas-microsoft-com:vml" xmlns:pvml="urn:schemas-microsoft-com:office:powerpoint" xmlns:com="http://schemas.openxmlformats.org/drawingml/2006/compatibility" xmlns:p14="http://schemas.microsoft.com/office/powerpoint/2010/main" xmlns:p15="http://schemas.microsoft.com/office/powerpoint/2012/main" xmlns:ahyp="http://schemas.microsoft.com/office/drawing/2018/hyperlinkcolor">
-  <p:cm authorId="0" idx="1" dt="2022-09-02T20:30:46.132">
-    <p:pos x="2925" y="315"/>
-    <p:text>Don't be concerned about the large amount of text, just wanted content on slides</p:text>
-  </p:cm>
-</p:cmLst>
 </file>
 
 <file path=ppt/notesMasters/notesMaster1.xml><?xml version="1.0" encoding="utf-8"?>
@@ -830,7 +816,7 @@
   <p:cSld>
     <p:spTree>
       <p:nvGrpSpPr>
-        <p:cNvPr id="119" name="Shape 119"/>
+        <p:cNvPr id="120" name="Shape 120"/>
         <p:cNvGrpSpPr/>
         <p:nvPr/>
       </p:nvGrpSpPr>
@@ -844,7 +830,7 @@
       </p:grpSpPr>
       <p:sp>
         <p:nvSpPr>
-          <p:cNvPr id="120" name="Google Shape;120;g14b236c5d68_0_163:notes"/>
+          <p:cNvPr id="121" name="Google Shape;121;g138f36bb9d1_0_13:notes"/>
           <p:cNvSpPr/>
           <p:nvPr>
             <p:ph idx="2" type="sldImg"/>
@@ -879,7 +865,106 @@
       </p:sp>
       <p:sp>
         <p:nvSpPr>
-          <p:cNvPr id="121" name="Google Shape;121;g14b236c5d68_0_163:notes"/>
+          <p:cNvPr id="122" name="Google Shape;122;g138f36bb9d1_0_13:notes"/>
+          <p:cNvSpPr txBox="1"/>
+          <p:nvPr>
+            <p:ph idx="1" type="body"/>
+          </p:nvPr>
+        </p:nvSpPr>
+        <p:spPr>
+          <a:xfrm>
+            <a:off x="685800" y="4343400"/>
+            <a:ext cx="5486400" cy="4114800"/>
+          </a:xfrm>
+          <a:prstGeom prst="rect">
+            <a:avLst/>
+          </a:prstGeom>
+        </p:spPr>
+        <p:txBody>
+          <a:bodyPr anchorCtr="0" anchor="t" bIns="91425" lIns="91425" spcFirstLastPara="1" rIns="91425" wrap="square" tIns="91425">
+            <a:noAutofit/>
+          </a:bodyPr>
+          <a:lstStyle/>
+          <a:p>
+            <a:pPr indent="0" lvl="0" marL="0" rtl="0" algn="l">
+              <a:spcBef>
+                <a:spcPts val="0"/>
+              </a:spcBef>
+              <a:spcAft>
+                <a:spcPts val="0"/>
+              </a:spcAft>
+              <a:buNone/>
+            </a:pPr>
+            <a:r>
+              <a:t/>
+            </a:r>
+            <a:endParaRPr/>
+          </a:p>
+        </p:txBody>
+      </p:sp>
+    </p:spTree>
+  </p:cSld>
+  <p:clrMapOvr>
+    <a:masterClrMapping/>
+  </p:clrMapOvr>
+</p:notes>
+</file>
+
+<file path=ppt/notesSlides/notesSlide11.xml><?xml version="1.0" encoding="utf-8"?>
+<p:notes xmlns:a="http://schemas.openxmlformats.org/drawingml/2006/main" xmlns:r="http://schemas.openxmlformats.org/officeDocument/2006/relationships" xmlns:mc="http://schemas.openxmlformats.org/markup-compatibility/2006" xmlns:mv="urn:schemas-microsoft-com:mac:vml" xmlns:p="http://schemas.openxmlformats.org/presentationml/2006/main" xmlns:c="http://schemas.openxmlformats.org/drawingml/2006/chart" xmlns:dgm="http://schemas.openxmlformats.org/drawingml/2006/diagram" xmlns:o="urn:schemas-microsoft-com:office:office" xmlns:v="urn:schemas-microsoft-com:vml" xmlns:pvml="urn:schemas-microsoft-com:office:powerpoint" xmlns:com="http://schemas.openxmlformats.org/drawingml/2006/compatibility" xmlns:p14="http://schemas.microsoft.com/office/powerpoint/2010/main" xmlns:p15="http://schemas.microsoft.com/office/powerpoint/2012/main" xmlns:ahyp="http://schemas.microsoft.com/office/drawing/2018/hyperlinkcolor" showMasterPhAnim="0" showMasterSp="0">
+  <p:cSld>
+    <p:spTree>
+      <p:nvGrpSpPr>
+        <p:cNvPr id="126" name="Shape 126"/>
+        <p:cNvGrpSpPr/>
+        <p:nvPr/>
+      </p:nvGrpSpPr>
+      <p:grpSpPr>
+        <a:xfrm>
+          <a:off x="0" y="0"/>
+          <a:ext cx="0" cy="0"/>
+          <a:chOff x="0" y="0"/>
+          <a:chExt cx="0" cy="0"/>
+        </a:xfrm>
+      </p:grpSpPr>
+      <p:sp>
+        <p:nvSpPr>
+          <p:cNvPr id="127" name="Google Shape;127;g14b236c5d68_0_163:notes"/>
+          <p:cNvSpPr/>
+          <p:nvPr>
+            <p:ph idx="2" type="sldImg"/>
+          </p:nvPr>
+        </p:nvSpPr>
+        <p:spPr>
+          <a:xfrm>
+            <a:off x="381300" y="685800"/>
+            <a:ext cx="6096000" cy="3429000"/>
+          </a:xfrm>
+          <a:custGeom>
+            <a:rect b="b" l="l" r="r" t="t"/>
+            <a:pathLst>
+              <a:path extrusionOk="0" h="120000" w="120000">
+                <a:moveTo>
+                  <a:pt x="0" y="0"/>
+                </a:moveTo>
+                <a:lnTo>
+                  <a:pt x="120000" y="0"/>
+                </a:lnTo>
+                <a:lnTo>
+                  <a:pt x="120000" y="120000"/>
+                </a:lnTo>
+                <a:lnTo>
+                  <a:pt x="0" y="120000"/>
+                </a:lnTo>
+                <a:close/>
+              </a:path>
+            </a:pathLst>
+          </a:custGeom>
+        </p:spPr>
+      </p:sp>
+      <p:sp>
+        <p:nvSpPr>
+          <p:cNvPr id="128" name="Google Shape;128;g14b236c5d68_0_163:notes"/>
           <p:cNvSpPr txBox="1"/>
           <p:nvPr>
             <p:ph idx="1" type="body"/>
@@ -1141,7 +1226,7 @@
       </p:grpSpPr>
       <p:sp>
         <p:nvSpPr>
-          <p:cNvPr id="82" name="Google Shape;82;g14b236c5d68_0_10:notes"/>
+          <p:cNvPr id="82" name="Google Shape;82;g1395a3ff17e_0_0:notes"/>
           <p:cNvSpPr/>
           <p:nvPr>
             <p:ph idx="2" type="sldImg"/>
@@ -1176,7 +1261,7 @@
       </p:sp>
       <p:sp>
         <p:nvSpPr>
-          <p:cNvPr id="83" name="Google Shape;83;g14b236c5d68_0_10:notes"/>
+          <p:cNvPr id="83" name="Google Shape;83;g1395a3ff17e_0_0:notes"/>
           <p:cNvSpPr txBox="1"/>
           <p:nvPr>
             <p:ph idx="1" type="body"/>
@@ -1198,16 +1283,29 @@
           <a:lstStyle/>
           <a:p>
             <a:pPr indent="0" lvl="0" marL="0" rtl="0" algn="l">
-              <a:spcBef>
-                <a:spcPts val="0"/>
-              </a:spcBef>
-              <a:spcAft>
-                <a:spcPts val="0"/>
-              </a:spcAft>
+              <a:lnSpc>
+                <a:spcPct val="115000"/>
+              </a:lnSpc>
+              <a:spcBef>
+                <a:spcPts val="1200"/>
+              </a:spcBef>
+              <a:spcAft>
+                <a:spcPts val="1200"/>
+              </a:spcAft>
+              <a:buClr>
+                <a:schemeClr val="dk1"/>
+              </a:buClr>
+              <a:buSzPts val="1100"/>
+              <a:buFont typeface="Arial"/>
               <a:buNone/>
             </a:pPr>
             <a:r>
-              <a:t/>
+              <a:rPr lang="en" sz="1400">
+                <a:solidFill>
+                  <a:srgbClr val="626B73"/>
+                </a:solidFill>
+              </a:rPr>
+              <a:t>Currently, campus tours provide information about the purpose of each area/building but do not establish connections with the visitors and prospective students, leaving participants detached and easily forgetting the layout of the university. By providing historical information, this project seeks to establish at least a single point of connection with each point of interest, both entertaining and solidifying the memory of where to find a given resource at Florida Tech.</a:t>
             </a:r>
             <a:endParaRPr/>
           </a:p>
@@ -1226,7 +1324,7 @@
   <p:cSld>
     <p:spTree>
       <p:nvGrpSpPr>
-        <p:cNvPr id="87" name="Shape 87"/>
+        <p:cNvPr id="88" name="Shape 88"/>
         <p:cNvGrpSpPr/>
         <p:nvPr/>
       </p:nvGrpSpPr>
@@ -1240,7 +1338,7 @@
       </p:grpSpPr>
       <p:sp>
         <p:nvSpPr>
-          <p:cNvPr id="88" name="Google Shape;88;g14b236c5d68_0_15:notes"/>
+          <p:cNvPr id="89" name="Google Shape;89;g14b236c5d68_0_10:notes"/>
           <p:cNvSpPr/>
           <p:nvPr>
             <p:ph idx="2" type="sldImg"/>
@@ -1275,7 +1373,7 @@
       </p:sp>
       <p:sp>
         <p:nvSpPr>
-          <p:cNvPr id="89" name="Google Shape;89;g14b236c5d68_0_15:notes"/>
+          <p:cNvPr id="90" name="Google Shape;90;g14b236c5d68_0_10:notes"/>
           <p:cNvSpPr txBox="1"/>
           <p:nvPr>
             <p:ph idx="1" type="body"/>
@@ -1325,7 +1423,7 @@
   <p:cSld>
     <p:spTree>
       <p:nvGrpSpPr>
-        <p:cNvPr id="93" name="Shape 93"/>
+        <p:cNvPr id="94" name="Shape 94"/>
         <p:cNvGrpSpPr/>
         <p:nvPr/>
       </p:nvGrpSpPr>
@@ -1339,7 +1437,7 @@
       </p:grpSpPr>
       <p:sp>
         <p:nvSpPr>
-          <p:cNvPr id="94" name="Google Shape;94;g138f36bb9d1_0_0:notes"/>
+          <p:cNvPr id="95" name="Google Shape;95;g14b236c5d68_0_15:notes"/>
           <p:cNvSpPr/>
           <p:nvPr>
             <p:ph idx="2" type="sldImg"/>
@@ -1374,7 +1472,7 @@
       </p:sp>
       <p:sp>
         <p:nvSpPr>
-          <p:cNvPr id="95" name="Google Shape;95;g138f36bb9d1_0_0:notes"/>
+          <p:cNvPr id="96" name="Google Shape;96;g14b236c5d68_0_15:notes"/>
           <p:cNvSpPr txBox="1"/>
           <p:nvPr>
             <p:ph idx="1" type="body"/>
@@ -1424,7 +1522,7 @@
   <p:cSld>
     <p:spTree>
       <p:nvGrpSpPr>
-        <p:cNvPr id="99" name="Shape 99"/>
+        <p:cNvPr id="100" name="Shape 100"/>
         <p:cNvGrpSpPr/>
         <p:nvPr/>
       </p:nvGrpSpPr>
@@ -1438,7 +1536,7 @@
       </p:grpSpPr>
       <p:sp>
         <p:nvSpPr>
-          <p:cNvPr id="100" name="Google Shape;100;g14b236c5d68_0_20:notes"/>
+          <p:cNvPr id="101" name="Google Shape;101;g138f36bb9d1_0_0:notes"/>
           <p:cNvSpPr/>
           <p:nvPr>
             <p:ph idx="2" type="sldImg"/>
@@ -1473,7 +1571,7 @@
       </p:sp>
       <p:sp>
         <p:nvSpPr>
-          <p:cNvPr id="101" name="Google Shape;101;g14b236c5d68_0_20:notes"/>
+          <p:cNvPr id="102" name="Google Shape;102;g138f36bb9d1_0_0:notes"/>
           <p:cNvSpPr txBox="1"/>
           <p:nvPr>
             <p:ph idx="1" type="body"/>
@@ -1523,7 +1621,7 @@
   <p:cSld>
     <p:spTree>
       <p:nvGrpSpPr>
-        <p:cNvPr id="105" name="Shape 105"/>
+        <p:cNvPr id="106" name="Shape 106"/>
         <p:cNvGrpSpPr/>
         <p:nvPr/>
       </p:nvGrpSpPr>
@@ -1537,7 +1635,7 @@
       </p:grpSpPr>
       <p:sp>
         <p:nvSpPr>
-          <p:cNvPr id="106" name="Google Shape;106;g14b236c5d68_0_25:notes"/>
+          <p:cNvPr id="107" name="Google Shape;107;g14b236c5d68_0_20:notes"/>
           <p:cNvSpPr/>
           <p:nvPr>
             <p:ph idx="2" type="sldImg"/>
@@ -1572,7 +1670,7 @@
       </p:sp>
       <p:sp>
         <p:nvSpPr>
-          <p:cNvPr id="107" name="Google Shape;107;g14b236c5d68_0_25:notes"/>
+          <p:cNvPr id="108" name="Google Shape;108;g14b236c5d68_0_20:notes"/>
           <p:cNvSpPr txBox="1"/>
           <p:nvPr>
             <p:ph idx="1" type="body"/>
@@ -1622,7 +1720,7 @@
   <p:cSld>
     <p:spTree>
       <p:nvGrpSpPr>
-        <p:cNvPr id="113" name="Shape 113"/>
+        <p:cNvPr id="112" name="Shape 112"/>
         <p:cNvGrpSpPr/>
         <p:nvPr/>
       </p:nvGrpSpPr>
@@ -1636,7 +1734,7 @@
       </p:grpSpPr>
       <p:sp>
         <p:nvSpPr>
-          <p:cNvPr id="114" name="Google Shape;114;g138f36bb9d1_0_13:notes"/>
+          <p:cNvPr id="113" name="Google Shape;113;g14b236c5d68_0_25:notes"/>
           <p:cNvSpPr/>
           <p:nvPr>
             <p:ph idx="2" type="sldImg"/>
@@ -1671,7 +1769,7 @@
       </p:sp>
       <p:sp>
         <p:nvSpPr>
-          <p:cNvPr id="115" name="Google Shape;115;g138f36bb9d1_0_13:notes"/>
+          <p:cNvPr id="114" name="Google Shape;114;g14b236c5d68_0_25:notes"/>
           <p:cNvSpPr txBox="1"/>
           <p:nvPr>
             <p:ph idx="1" type="body"/>
@@ -7869,7 +7967,7 @@
   <p:cSld>
     <p:spTree>
       <p:nvGrpSpPr>
-        <p:cNvPr id="122" name="Shape 122"/>
+        <p:cNvPr id="123" name="Shape 123"/>
         <p:cNvGrpSpPr/>
         <p:nvPr/>
       </p:nvGrpSpPr>
@@ -7883,72 +7981,7 @@
       </p:grpSpPr>
       <p:sp>
         <p:nvSpPr>
-          <p:cNvPr id="123" name="Google Shape;123;p22"/>
-          <p:cNvSpPr txBox="1"/>
-          <p:nvPr>
-            <p:ph type="ctrTitle"/>
-          </p:nvPr>
-        </p:nvSpPr>
-        <p:spPr>
-          <a:xfrm>
-            <a:off x="3163350" y="2203500"/>
-            <a:ext cx="2817300" cy="736500"/>
-          </a:xfrm>
-          <a:prstGeom prst="rect">
-            <a:avLst/>
-          </a:prstGeom>
-        </p:spPr>
-        <p:txBody>
-          <a:bodyPr anchorCtr="0" anchor="t" bIns="91425" lIns="91425" spcFirstLastPara="1" rIns="91425" wrap="square" tIns="91425">
-            <a:normAutofit/>
-          </a:bodyPr>
-          <a:lstStyle/>
-          <a:p>
-            <a:pPr indent="0" lvl="0" marL="0" rtl="0" algn="l">
-              <a:spcBef>
-                <a:spcPts val="0"/>
-              </a:spcBef>
-              <a:spcAft>
-                <a:spcPts val="0"/>
-              </a:spcAft>
-              <a:buNone/>
-            </a:pPr>
-            <a:r>
-              <a:rPr lang="en"/>
-              <a:t>Questions?</a:t>
-            </a:r>
-            <a:endParaRPr/>
-          </a:p>
-        </p:txBody>
-      </p:sp>
-    </p:spTree>
-  </p:cSld>
-  <p:clrMapOvr>
-    <a:masterClrMapping/>
-  </p:clrMapOvr>
-</p:sld>
-</file>
-
-<file path=ppt/slides/slide2.xml><?xml version="1.0" encoding="utf-8"?>
-<p:sld xmlns:a="http://schemas.openxmlformats.org/drawingml/2006/main" xmlns:r="http://schemas.openxmlformats.org/officeDocument/2006/relationships" xmlns:mc="http://schemas.openxmlformats.org/markup-compatibility/2006" xmlns:mv="urn:schemas-microsoft-com:mac:vml" xmlns:p="http://schemas.openxmlformats.org/presentationml/2006/main" xmlns:c="http://schemas.openxmlformats.org/drawingml/2006/chart" xmlns:dgm="http://schemas.openxmlformats.org/drawingml/2006/diagram" xmlns:o="urn:schemas-microsoft-com:office:office" xmlns:v="urn:schemas-microsoft-com:vml" xmlns:pvml="urn:schemas-microsoft-com:office:powerpoint" xmlns:com="http://schemas.openxmlformats.org/drawingml/2006/compatibility" xmlns:p14="http://schemas.microsoft.com/office/powerpoint/2010/main" xmlns:p15="http://schemas.microsoft.com/office/powerpoint/2012/main" xmlns:ahyp="http://schemas.microsoft.com/office/drawing/2018/hyperlinkcolor">
-  <p:cSld>
-    <p:spTree>
-      <p:nvGrpSpPr>
-        <p:cNvPr id="69" name="Shape 69"/>
-        <p:cNvGrpSpPr/>
-        <p:nvPr/>
-      </p:nvGrpSpPr>
-      <p:grpSpPr>
-        <a:xfrm>
-          <a:off x="0" y="0"/>
-          <a:ext cx="0" cy="0"/>
-          <a:chOff x="0" y="0"/>
-          <a:chExt cx="0" cy="0"/>
-        </a:xfrm>
-      </p:grpSpPr>
-      <p:sp>
-        <p:nvSpPr>
-          <p:cNvPr id="70" name="Google Shape;70;p14"/>
+          <p:cNvPr id="124" name="Google Shape;124;p22"/>
           <p:cNvSpPr txBox="1"/>
           <p:nvPr>
             <p:ph type="title"/>
@@ -7980,1599 +8013,6 @@
             </a:pPr>
             <a:r>
               <a:rPr lang="en"/>
-              <a:t>Faculty Advisor and Client</a:t>
-            </a:r>
-            <a:endParaRPr/>
-          </a:p>
-        </p:txBody>
-      </p:sp>
-      <p:sp>
-        <p:nvSpPr>
-          <p:cNvPr id="71" name="Google Shape;71;p14"/>
-          <p:cNvSpPr txBox="1"/>
-          <p:nvPr>
-            <p:ph idx="1" type="body"/>
-          </p:nvPr>
-        </p:nvSpPr>
-        <p:spPr>
-          <a:xfrm>
-            <a:off x="311700" y="3958200"/>
-            <a:ext cx="3999900" cy="623700"/>
-          </a:xfrm>
-          <a:prstGeom prst="rect">
-            <a:avLst/>
-          </a:prstGeom>
-        </p:spPr>
-        <p:txBody>
-          <a:bodyPr anchorCtr="0" anchor="t" bIns="91425" lIns="91425" spcFirstLastPara="1" rIns="91425" wrap="square" tIns="91425">
-            <a:normAutofit fontScale="77500" lnSpcReduction="10000"/>
-          </a:bodyPr>
-          <a:lstStyle/>
-          <a:p>
-            <a:pPr indent="0" lvl="0" marL="0" rtl="0" algn="ctr">
-              <a:spcBef>
-                <a:spcPts val="0"/>
-              </a:spcBef>
-              <a:spcAft>
-                <a:spcPts val="1200"/>
-              </a:spcAft>
-              <a:buNone/>
-            </a:pPr>
-            <a:r>
-              <a:rPr b="1" lang="en" sz="1800">
-                <a:solidFill>
-                  <a:schemeClr val="lt2"/>
-                </a:solidFill>
-              </a:rPr>
-              <a:t>Faculty Advisor</a:t>
-            </a:r>
-            <a:r>
-              <a:rPr lang="en" sz="1800">
-                <a:solidFill>
-                  <a:schemeClr val="lt2"/>
-                </a:solidFill>
-              </a:rPr>
-              <a:t>: Dr. Fitzroy Nembhard (</a:t>
-            </a:r>
-            <a:r>
-              <a:rPr lang="en" sz="1800" u="sng">
-                <a:solidFill>
-                  <a:schemeClr val="accent5"/>
-                </a:solidFill>
-                <a:latin typeface="Arial"/>
-                <a:ea typeface="Arial"/>
-                <a:cs typeface="Arial"/>
-                <a:sym typeface="Arial"/>
-                <a:hlinkClick r:id="rId3">
-                  <a:extLst>
-                    <a:ext uri="{A12FA001-AC4F-418D-AE19-62706E023703}">
-                      <ahyp:hlinkClr val="tx"/>
-                    </a:ext>
-                  </a:extLst>
-                </a:hlinkClick>
-              </a:rPr>
-              <a:t>fnembhard@fit.ed</a:t>
-            </a:r>
-            <a:r>
-              <a:rPr lang="en" sz="1800">
-                <a:solidFill>
-                  <a:schemeClr val="accent5"/>
-                </a:solidFill>
-                <a:latin typeface="Arial"/>
-                <a:ea typeface="Arial"/>
-                <a:cs typeface="Arial"/>
-                <a:sym typeface="Arial"/>
-              </a:rPr>
-              <a:t>u</a:t>
-            </a:r>
-            <a:r>
-              <a:rPr lang="en" sz="1800">
-                <a:solidFill>
-                  <a:schemeClr val="lt2"/>
-                </a:solidFill>
-                <a:latin typeface="Arial"/>
-                <a:ea typeface="Arial"/>
-                <a:cs typeface="Arial"/>
-                <a:sym typeface="Arial"/>
-              </a:rPr>
-              <a:t>)</a:t>
-            </a:r>
-            <a:endParaRPr sz="1800">
-              <a:solidFill>
-                <a:schemeClr val="lt2"/>
-              </a:solidFill>
-              <a:latin typeface="Arial"/>
-              <a:ea typeface="Arial"/>
-              <a:cs typeface="Arial"/>
-              <a:sym typeface="Arial"/>
-            </a:endParaRPr>
-          </a:p>
-        </p:txBody>
-      </p:sp>
-      <p:pic>
-        <p:nvPicPr>
-          <p:cNvPr id="72" name="Google Shape;72;p14"/>
-          <p:cNvPicPr preferRelativeResize="0"/>
-          <p:nvPr/>
-        </p:nvPicPr>
-        <p:blipFill>
-          <a:blip r:embed="rId4">
-            <a:alphaModFix/>
-          </a:blip>
-          <a:stretch>
-            <a:fillRect/>
-          </a:stretch>
-        </p:blipFill>
-        <p:spPr>
-          <a:xfrm>
-            <a:off x="1342675" y="1505700"/>
-            <a:ext cx="1937945" cy="2362198"/>
-          </a:xfrm>
-          <a:prstGeom prst="rect">
-            <a:avLst/>
-          </a:prstGeom>
-          <a:noFill/>
-          <a:ln>
-            <a:noFill/>
-          </a:ln>
-        </p:spPr>
-      </p:pic>
-      <p:pic>
-        <p:nvPicPr>
-          <p:cNvPr id="73" name="Google Shape;73;p14"/>
-          <p:cNvPicPr preferRelativeResize="0"/>
-          <p:nvPr/>
-        </p:nvPicPr>
-        <p:blipFill>
-          <a:blip r:embed="rId5">
-            <a:alphaModFix/>
-          </a:blip>
-          <a:stretch>
-            <a:fillRect/>
-          </a:stretch>
-        </p:blipFill>
-        <p:spPr>
-          <a:xfrm>
-            <a:off x="5884600" y="1505700"/>
-            <a:ext cx="1895475" cy="2362200"/>
-          </a:xfrm>
-          <a:prstGeom prst="rect">
-            <a:avLst/>
-          </a:prstGeom>
-          <a:noFill/>
-          <a:ln>
-            <a:noFill/>
-          </a:ln>
-        </p:spPr>
-      </p:pic>
-      <p:sp>
-        <p:nvSpPr>
-          <p:cNvPr id="74" name="Google Shape;74;p14"/>
-          <p:cNvSpPr txBox="1"/>
-          <p:nvPr>
-            <p:ph idx="2" type="body"/>
-          </p:nvPr>
-        </p:nvSpPr>
-        <p:spPr>
-          <a:xfrm>
-            <a:off x="4832400" y="3958200"/>
-            <a:ext cx="3999900" cy="623700"/>
-          </a:xfrm>
-          <a:prstGeom prst="rect">
-            <a:avLst/>
-          </a:prstGeom>
-        </p:spPr>
-        <p:txBody>
-          <a:bodyPr anchorCtr="0" anchor="t" bIns="91425" lIns="91425" spcFirstLastPara="1" rIns="91425" wrap="square" tIns="91425">
-            <a:normAutofit fontScale="85000"/>
-          </a:bodyPr>
-          <a:lstStyle/>
-          <a:p>
-            <a:pPr indent="0" lvl="0" marL="0" rtl="0" algn="ctr">
-              <a:spcBef>
-                <a:spcPts val="0"/>
-              </a:spcBef>
-              <a:spcAft>
-                <a:spcPts val="1200"/>
-              </a:spcAft>
-              <a:buNone/>
-            </a:pPr>
-            <a:r>
-              <a:rPr b="1" lang="en" sz="1800">
-                <a:solidFill>
-                  <a:schemeClr val="lt2"/>
-                </a:solidFill>
-                <a:latin typeface="Arial"/>
-                <a:ea typeface="Arial"/>
-                <a:cs typeface="Arial"/>
-                <a:sym typeface="Arial"/>
-              </a:rPr>
-              <a:t>Client</a:t>
-            </a:r>
-            <a:r>
-              <a:rPr lang="en" sz="1800">
-                <a:solidFill>
-                  <a:schemeClr val="lt2"/>
-                </a:solidFill>
-                <a:latin typeface="Arial"/>
-                <a:ea typeface="Arial"/>
-                <a:cs typeface="Arial"/>
-                <a:sym typeface="Arial"/>
-              </a:rPr>
-              <a:t>: Ryan Stansifer (</a:t>
-            </a:r>
-            <a:r>
-              <a:rPr lang="en" sz="1800" u="sng">
-                <a:solidFill>
-                  <a:schemeClr val="accent5"/>
-                </a:solidFill>
-                <a:latin typeface="Arial"/>
-                <a:ea typeface="Arial"/>
-                <a:cs typeface="Arial"/>
-                <a:sym typeface="Arial"/>
-                <a:hlinkClick r:id="rId6">
-                  <a:extLst>
-                    <a:ext uri="{A12FA001-AC4F-418D-AE19-62706E023703}">
-                      <ahyp:hlinkClr val="tx"/>
-                    </a:ext>
-                  </a:extLst>
-                </a:hlinkClick>
-              </a:rPr>
-              <a:t>ryan@fit.edu</a:t>
-            </a:r>
-            <a:r>
-              <a:rPr lang="en" sz="1800">
-                <a:solidFill>
-                  <a:schemeClr val="lt2"/>
-                </a:solidFill>
-                <a:latin typeface="Arial"/>
-                <a:ea typeface="Arial"/>
-                <a:cs typeface="Arial"/>
-                <a:sym typeface="Arial"/>
-              </a:rPr>
-              <a:t>)</a:t>
-            </a:r>
-            <a:endParaRPr/>
-          </a:p>
-        </p:txBody>
-      </p:sp>
-    </p:spTree>
-  </p:cSld>
-  <p:clrMapOvr>
-    <a:masterClrMapping/>
-  </p:clrMapOvr>
-</p:sld>
-</file>
-
-<file path=ppt/slides/slide3.xml><?xml version="1.0" encoding="utf-8"?>
-<p:sld xmlns:a="http://schemas.openxmlformats.org/drawingml/2006/main" xmlns:r="http://schemas.openxmlformats.org/officeDocument/2006/relationships" xmlns:mc="http://schemas.openxmlformats.org/markup-compatibility/2006" xmlns:mv="urn:schemas-microsoft-com:mac:vml" xmlns:p="http://schemas.openxmlformats.org/presentationml/2006/main" xmlns:c="http://schemas.openxmlformats.org/drawingml/2006/chart" xmlns:dgm="http://schemas.openxmlformats.org/drawingml/2006/diagram" xmlns:o="urn:schemas-microsoft-com:office:office" xmlns:v="urn:schemas-microsoft-com:vml" xmlns:pvml="urn:schemas-microsoft-com:office:powerpoint" xmlns:com="http://schemas.openxmlformats.org/drawingml/2006/compatibility" xmlns:p14="http://schemas.microsoft.com/office/powerpoint/2010/main" xmlns:p15="http://schemas.microsoft.com/office/powerpoint/2012/main" xmlns:ahyp="http://schemas.microsoft.com/office/drawing/2018/hyperlinkcolor">
-  <p:cSld>
-    <p:spTree>
-      <p:nvGrpSpPr>
-        <p:cNvPr id="78" name="Shape 78"/>
-        <p:cNvGrpSpPr/>
-        <p:nvPr/>
-      </p:nvGrpSpPr>
-      <p:grpSpPr>
-        <a:xfrm>
-          <a:off x="0" y="0"/>
-          <a:ext cx="0" cy="0"/>
-          <a:chOff x="0" y="0"/>
-          <a:chExt cx="0" cy="0"/>
-        </a:xfrm>
-      </p:grpSpPr>
-      <p:sp>
-        <p:nvSpPr>
-          <p:cNvPr id="79" name="Google Shape;79;p15"/>
-          <p:cNvSpPr txBox="1"/>
-          <p:nvPr>
-            <p:ph type="title"/>
-          </p:nvPr>
-        </p:nvSpPr>
-        <p:spPr>
-          <a:xfrm>
-            <a:off x="311725" y="500925"/>
-            <a:ext cx="3706500" cy="2508900"/>
-          </a:xfrm>
-          <a:prstGeom prst="rect">
-            <a:avLst/>
-          </a:prstGeom>
-        </p:spPr>
-        <p:txBody>
-          <a:bodyPr anchorCtr="0" anchor="t" bIns="91425" lIns="91425" spcFirstLastPara="1" rIns="91425" wrap="square" tIns="91425">
-            <a:normAutofit/>
-          </a:bodyPr>
-          <a:lstStyle/>
-          <a:p>
-            <a:pPr indent="0" lvl="0" marL="0" rtl="0" algn="l">
-              <a:spcBef>
-                <a:spcPts val="0"/>
-              </a:spcBef>
-              <a:spcAft>
-                <a:spcPts val="0"/>
-              </a:spcAft>
-              <a:buNone/>
-            </a:pPr>
-            <a:r>
-              <a:rPr lang="en"/>
-              <a:t>Goal and Motivation</a:t>
-            </a:r>
-            <a:endParaRPr/>
-          </a:p>
-        </p:txBody>
-      </p:sp>
-      <p:sp>
-        <p:nvSpPr>
-          <p:cNvPr id="80" name="Google Shape;80;p15"/>
-          <p:cNvSpPr txBox="1"/>
-          <p:nvPr>
-            <p:ph idx="1" type="body"/>
-          </p:nvPr>
-        </p:nvSpPr>
-        <p:spPr>
-          <a:xfrm>
-            <a:off x="4644675" y="500925"/>
-            <a:ext cx="4166400" cy="4098600"/>
-          </a:xfrm>
-          <a:prstGeom prst="rect">
-            <a:avLst/>
-          </a:prstGeom>
-        </p:spPr>
-        <p:txBody>
-          <a:bodyPr anchorCtr="0" anchor="t" bIns="91425" lIns="91425" spcFirstLastPara="1" rIns="91425" wrap="square" tIns="91425">
-            <a:noAutofit/>
-          </a:bodyPr>
-          <a:lstStyle/>
-          <a:p>
-            <a:pPr indent="-317500" lvl="0" marL="457200" rtl="0" algn="l">
-              <a:spcBef>
-                <a:spcPts val="1200"/>
-              </a:spcBef>
-              <a:spcAft>
-                <a:spcPts val="0"/>
-              </a:spcAft>
-              <a:buClr>
-                <a:schemeClr val="lt2"/>
-              </a:buClr>
-              <a:buSzPts val="1400"/>
-              <a:buChar char="●"/>
-            </a:pPr>
-            <a:r>
-              <a:rPr b="1" lang="en" sz="1400">
-                <a:solidFill>
-                  <a:schemeClr val="lt2"/>
-                </a:solidFill>
-              </a:rPr>
-              <a:t>Goal</a:t>
-            </a:r>
-            <a:r>
-              <a:rPr lang="en" sz="1400">
-                <a:solidFill>
-                  <a:schemeClr val="lt2"/>
-                </a:solidFill>
-              </a:rPr>
-              <a:t>: To provide users with a mobile suite for navigating the Florida Tech campus while engaging them with historical content: photos, videos, trivia, etc. such that the campus experience is memorable and educational.</a:t>
-            </a:r>
-            <a:endParaRPr sz="1400">
-              <a:solidFill>
-                <a:schemeClr val="lt2"/>
-              </a:solidFill>
-            </a:endParaRPr>
-          </a:p>
-          <a:p>
-            <a:pPr indent="-317500" lvl="0" marL="457200" rtl="0" algn="l">
-              <a:spcBef>
-                <a:spcPts val="0"/>
-              </a:spcBef>
-              <a:spcAft>
-                <a:spcPts val="0"/>
-              </a:spcAft>
-              <a:buClr>
-                <a:schemeClr val="lt2"/>
-              </a:buClr>
-              <a:buSzPts val="1400"/>
-              <a:buChar char="●"/>
-            </a:pPr>
-            <a:r>
-              <a:rPr b="1" lang="en" sz="1400">
-                <a:solidFill>
-                  <a:schemeClr val="lt2"/>
-                </a:solidFill>
-                <a:latin typeface="Arial"/>
-                <a:ea typeface="Arial"/>
-                <a:cs typeface="Arial"/>
-                <a:sym typeface="Arial"/>
-              </a:rPr>
-              <a:t>Motivation</a:t>
-            </a:r>
-            <a:r>
-              <a:rPr lang="en" sz="1400">
-                <a:solidFill>
-                  <a:schemeClr val="lt2"/>
-                </a:solidFill>
-                <a:latin typeface="Arial"/>
-                <a:ea typeface="Arial"/>
-                <a:cs typeface="Arial"/>
-                <a:sym typeface="Arial"/>
-              </a:rPr>
-              <a:t>: Currently, campus tours provide information about the purpose of each area/building but do not establish connections with the visitors and prospective students, leaving participants detached and easily forgetting the layout of the university. By providing historical information, this project seeks to establish at least a single point of connection with each point of interest, both entertaining and solidifying the memory of where to find a given resource at Florida Tech.</a:t>
-            </a:r>
-            <a:endParaRPr sz="1400">
-              <a:solidFill>
-                <a:schemeClr val="lt2"/>
-              </a:solidFill>
-            </a:endParaRPr>
-          </a:p>
-        </p:txBody>
-      </p:sp>
-    </p:spTree>
-  </p:cSld>
-  <p:clrMapOvr>
-    <a:masterClrMapping/>
-  </p:clrMapOvr>
-</p:sld>
-</file>
-
-<file path=ppt/slides/slide4.xml><?xml version="1.0" encoding="utf-8"?>
-<p:sld xmlns:a="http://schemas.openxmlformats.org/drawingml/2006/main" xmlns:r="http://schemas.openxmlformats.org/officeDocument/2006/relationships" xmlns:mc="http://schemas.openxmlformats.org/markup-compatibility/2006" xmlns:mv="urn:schemas-microsoft-com:mac:vml" xmlns:p="http://schemas.openxmlformats.org/presentationml/2006/main" xmlns:c="http://schemas.openxmlformats.org/drawingml/2006/chart" xmlns:dgm="http://schemas.openxmlformats.org/drawingml/2006/diagram" xmlns:o="urn:schemas-microsoft-com:office:office" xmlns:v="urn:schemas-microsoft-com:vml" xmlns:pvml="urn:schemas-microsoft-com:office:powerpoint" xmlns:com="http://schemas.openxmlformats.org/drawingml/2006/compatibility" xmlns:p14="http://schemas.microsoft.com/office/powerpoint/2010/main" xmlns:p15="http://schemas.microsoft.com/office/powerpoint/2012/main" xmlns:ahyp="http://schemas.microsoft.com/office/drawing/2018/hyperlinkcolor">
-  <p:cSld>
-    <p:spTree>
-      <p:nvGrpSpPr>
-        <p:cNvPr id="84" name="Shape 84"/>
-        <p:cNvGrpSpPr/>
-        <p:nvPr/>
-      </p:nvGrpSpPr>
-      <p:grpSpPr>
-        <a:xfrm>
-          <a:off x="0" y="0"/>
-          <a:ext cx="0" cy="0"/>
-          <a:chOff x="0" y="0"/>
-          <a:chExt cx="0" cy="0"/>
-        </a:xfrm>
-      </p:grpSpPr>
-      <p:sp>
-        <p:nvSpPr>
-          <p:cNvPr id="85" name="Google Shape;85;p16"/>
-          <p:cNvSpPr txBox="1"/>
-          <p:nvPr>
-            <p:ph type="title"/>
-          </p:nvPr>
-        </p:nvSpPr>
-        <p:spPr>
-          <a:xfrm>
-            <a:off x="311725" y="500925"/>
-            <a:ext cx="3706500" cy="2508900"/>
-          </a:xfrm>
-          <a:prstGeom prst="rect">
-            <a:avLst/>
-          </a:prstGeom>
-        </p:spPr>
-        <p:txBody>
-          <a:bodyPr anchorCtr="0" anchor="t" bIns="91425" lIns="91425" spcFirstLastPara="1" rIns="91425" wrap="square" tIns="91425">
-            <a:normAutofit/>
-          </a:bodyPr>
-          <a:lstStyle/>
-          <a:p>
-            <a:pPr indent="0" lvl="0" marL="0" rtl="0" algn="l">
-              <a:spcBef>
-                <a:spcPts val="0"/>
-              </a:spcBef>
-              <a:spcAft>
-                <a:spcPts val="0"/>
-              </a:spcAft>
-              <a:buNone/>
-            </a:pPr>
-            <a:r>
-              <a:rPr lang="en"/>
-              <a:t>Primary Features</a:t>
-            </a:r>
-            <a:endParaRPr/>
-          </a:p>
-        </p:txBody>
-      </p:sp>
-      <p:sp>
-        <p:nvSpPr>
-          <p:cNvPr id="86" name="Google Shape;86;p16"/>
-          <p:cNvSpPr txBox="1"/>
-          <p:nvPr>
-            <p:ph idx="1" type="body"/>
-          </p:nvPr>
-        </p:nvSpPr>
-        <p:spPr>
-          <a:xfrm>
-            <a:off x="4644675" y="500925"/>
-            <a:ext cx="4166400" cy="4098600"/>
-          </a:xfrm>
-          <a:prstGeom prst="rect">
-            <a:avLst/>
-          </a:prstGeom>
-        </p:spPr>
-        <p:txBody>
-          <a:bodyPr anchorCtr="0" anchor="t" bIns="91425" lIns="91425" spcFirstLastPara="1" rIns="91425" wrap="square" tIns="91425">
-            <a:noAutofit/>
-          </a:bodyPr>
-          <a:lstStyle/>
-          <a:p>
-            <a:pPr indent="-317500" lvl="0" marL="457200" rtl="0" algn="l">
-              <a:spcBef>
-                <a:spcPts val="1200"/>
-              </a:spcBef>
-              <a:spcAft>
-                <a:spcPts val="0"/>
-              </a:spcAft>
-              <a:buSzPts val="1400"/>
-              <a:buChar char="●"/>
-            </a:pPr>
-            <a:r>
-              <a:rPr b="1" lang="en" sz="1200">
-                <a:solidFill>
-                  <a:srgbClr val="000000"/>
-                </a:solidFill>
-                <a:latin typeface="Arial"/>
-                <a:ea typeface="Arial"/>
-                <a:cs typeface="Arial"/>
-                <a:sym typeface="Arial"/>
-              </a:rPr>
-              <a:t>Feature #1</a:t>
-            </a:r>
-            <a:r>
-              <a:rPr lang="en" sz="1200">
-                <a:solidFill>
-                  <a:srgbClr val="000000"/>
-                </a:solidFill>
-                <a:latin typeface="Arial"/>
-                <a:ea typeface="Arial"/>
-                <a:cs typeface="Arial"/>
-                <a:sym typeface="Arial"/>
-              </a:rPr>
-              <a:t>: Explore the beautiful campus of Florida Tech at your own pace with our guided walking tours, housed completely within the app! Navigate to your desired point of interest with ease as the GPS shows which paths to take in real-time! Take the scenic route with the “Sightseeing” option, or arrive in no time with the “Fast Travel” option.</a:t>
-            </a:r>
-            <a:endParaRPr sz="1200">
-              <a:solidFill>
-                <a:srgbClr val="000000"/>
-              </a:solidFill>
-              <a:latin typeface="Arial"/>
-              <a:ea typeface="Arial"/>
-              <a:cs typeface="Arial"/>
-              <a:sym typeface="Arial"/>
-            </a:endParaRPr>
-          </a:p>
-          <a:p>
-            <a:pPr indent="-304800" lvl="0" marL="457200" rtl="0" algn="l">
-              <a:spcBef>
-                <a:spcPts val="0"/>
-              </a:spcBef>
-              <a:spcAft>
-                <a:spcPts val="0"/>
-              </a:spcAft>
-              <a:buClr>
-                <a:srgbClr val="000000"/>
-              </a:buClr>
-              <a:buSzPts val="1200"/>
-              <a:buFont typeface="Arial"/>
-              <a:buChar char="●"/>
-            </a:pPr>
-            <a:r>
-              <a:rPr b="1" lang="en" sz="1200">
-                <a:solidFill>
-                  <a:srgbClr val="000000"/>
-                </a:solidFill>
-                <a:latin typeface="Arial"/>
-                <a:ea typeface="Arial"/>
-                <a:cs typeface="Arial"/>
-                <a:sym typeface="Arial"/>
-              </a:rPr>
-              <a:t>Feature #2</a:t>
-            </a:r>
-            <a:r>
-              <a:rPr lang="en" sz="1200">
-                <a:solidFill>
-                  <a:srgbClr val="000000"/>
-                </a:solidFill>
-                <a:latin typeface="Arial"/>
-                <a:ea typeface="Arial"/>
-                <a:cs typeface="Arial"/>
-                <a:sym typeface="Arial"/>
-              </a:rPr>
-              <a:t>: Virtual Tours: Discover the landmarks and history of Florida Tech without setting foot on campus! Select locations on the map to see an image/video with narration about each place!</a:t>
-            </a:r>
-            <a:endParaRPr sz="1200">
-              <a:solidFill>
-                <a:srgbClr val="000000"/>
-              </a:solidFill>
-              <a:latin typeface="Arial"/>
-              <a:ea typeface="Arial"/>
-              <a:cs typeface="Arial"/>
-              <a:sym typeface="Arial"/>
-            </a:endParaRPr>
-          </a:p>
-          <a:p>
-            <a:pPr indent="-304800" lvl="0" marL="457200" rtl="0" algn="l">
-              <a:spcBef>
-                <a:spcPts val="0"/>
-              </a:spcBef>
-              <a:spcAft>
-                <a:spcPts val="0"/>
-              </a:spcAft>
-              <a:buClr>
-                <a:srgbClr val="000000"/>
-              </a:buClr>
-              <a:buSzPts val="1200"/>
-              <a:buFont typeface="Arial"/>
-              <a:buChar char="●"/>
-            </a:pPr>
-            <a:r>
-              <a:rPr b="1" lang="en" sz="1200">
-                <a:solidFill>
-                  <a:srgbClr val="000000"/>
-                </a:solidFill>
-                <a:latin typeface="Arial"/>
-                <a:ea typeface="Arial"/>
-                <a:cs typeface="Arial"/>
-                <a:sym typeface="Arial"/>
-              </a:rPr>
-              <a:t>Feature #3</a:t>
-            </a:r>
-            <a:r>
-              <a:rPr lang="en" sz="1200">
-                <a:solidFill>
-                  <a:srgbClr val="000000"/>
-                </a:solidFill>
-                <a:latin typeface="Arial"/>
-                <a:ea typeface="Arial"/>
-                <a:cs typeface="Arial"/>
-                <a:sym typeface="Arial"/>
-              </a:rPr>
-              <a:t>: Want to hear about specific aspects of Florida Tech’s history? Have a deeper interest in the past presidents of our university? With our themed tours, get a more focused experience that shows you the most relevant buildings and history related to the topic you select. Trivia and mini-games will also be tailored to each individual subject area.</a:t>
-            </a:r>
-            <a:endParaRPr sz="1200">
-              <a:solidFill>
-                <a:srgbClr val="000000"/>
-              </a:solidFill>
-              <a:latin typeface="Arial"/>
-              <a:ea typeface="Arial"/>
-              <a:cs typeface="Arial"/>
-              <a:sym typeface="Arial"/>
-            </a:endParaRPr>
-          </a:p>
-        </p:txBody>
-      </p:sp>
-    </p:spTree>
-  </p:cSld>
-  <p:clrMapOvr>
-    <a:masterClrMapping/>
-  </p:clrMapOvr>
-</p:sld>
-</file>
-
-<file path=ppt/slides/slide5.xml><?xml version="1.0" encoding="utf-8"?>
-<p:sld xmlns:a="http://schemas.openxmlformats.org/drawingml/2006/main" xmlns:r="http://schemas.openxmlformats.org/officeDocument/2006/relationships" xmlns:mc="http://schemas.openxmlformats.org/markup-compatibility/2006" xmlns:mv="urn:schemas-microsoft-com:mac:vml" xmlns:p="http://schemas.openxmlformats.org/presentationml/2006/main" xmlns:c="http://schemas.openxmlformats.org/drawingml/2006/chart" xmlns:dgm="http://schemas.openxmlformats.org/drawingml/2006/diagram" xmlns:o="urn:schemas-microsoft-com:office:office" xmlns:v="urn:schemas-microsoft-com:vml" xmlns:pvml="urn:schemas-microsoft-com:office:powerpoint" xmlns:com="http://schemas.openxmlformats.org/drawingml/2006/compatibility" xmlns:p14="http://schemas.microsoft.com/office/powerpoint/2010/main" xmlns:p15="http://schemas.microsoft.com/office/powerpoint/2012/main" xmlns:ahyp="http://schemas.microsoft.com/office/drawing/2018/hyperlinkcolor">
-  <p:cSld>
-    <p:spTree>
-      <p:nvGrpSpPr>
-        <p:cNvPr id="90" name="Shape 90"/>
-        <p:cNvGrpSpPr/>
-        <p:nvPr/>
-      </p:nvGrpSpPr>
-      <p:grpSpPr>
-        <a:xfrm>
-          <a:off x="0" y="0"/>
-          <a:ext cx="0" cy="0"/>
-          <a:chOff x="0" y="0"/>
-          <a:chExt cx="0" cy="0"/>
-        </a:xfrm>
-      </p:grpSpPr>
-      <p:sp>
-        <p:nvSpPr>
-          <p:cNvPr id="91" name="Google Shape;91;p17"/>
-          <p:cNvSpPr txBox="1"/>
-          <p:nvPr>
-            <p:ph type="title"/>
-          </p:nvPr>
-        </p:nvSpPr>
-        <p:spPr>
-          <a:xfrm>
-            <a:off x="311725" y="500925"/>
-            <a:ext cx="3706500" cy="2508900"/>
-          </a:xfrm>
-          <a:prstGeom prst="rect">
-            <a:avLst/>
-          </a:prstGeom>
-        </p:spPr>
-        <p:txBody>
-          <a:bodyPr anchorCtr="0" anchor="t" bIns="91425" lIns="91425" spcFirstLastPara="1" rIns="91425" wrap="square" tIns="91425">
-            <a:normAutofit/>
-          </a:bodyPr>
-          <a:lstStyle/>
-          <a:p>
-            <a:pPr indent="0" lvl="0" marL="0" rtl="0" algn="l">
-              <a:spcBef>
-                <a:spcPts val="0"/>
-              </a:spcBef>
-              <a:spcAft>
-                <a:spcPts val="0"/>
-              </a:spcAft>
-              <a:buNone/>
-            </a:pPr>
-            <a:r>
-              <a:rPr lang="en"/>
-              <a:t>Technical Challenges</a:t>
-            </a:r>
-            <a:endParaRPr/>
-          </a:p>
-        </p:txBody>
-      </p:sp>
-      <p:sp>
-        <p:nvSpPr>
-          <p:cNvPr id="92" name="Google Shape;92;p17"/>
-          <p:cNvSpPr txBox="1"/>
-          <p:nvPr>
-            <p:ph idx="1" type="body"/>
-          </p:nvPr>
-        </p:nvSpPr>
-        <p:spPr>
-          <a:xfrm>
-            <a:off x="4644675" y="500925"/>
-            <a:ext cx="4166400" cy="4098600"/>
-          </a:xfrm>
-          <a:prstGeom prst="rect">
-            <a:avLst/>
-          </a:prstGeom>
-        </p:spPr>
-        <p:txBody>
-          <a:bodyPr anchorCtr="0" anchor="t" bIns="91425" lIns="91425" spcFirstLastPara="1" rIns="91425" wrap="square" tIns="91425">
-            <a:noAutofit/>
-          </a:bodyPr>
-          <a:lstStyle/>
-          <a:p>
-            <a:pPr indent="-368300" lvl="0" marL="457200" rtl="0" algn="l">
-              <a:spcBef>
-                <a:spcPts val="1200"/>
-              </a:spcBef>
-              <a:spcAft>
-                <a:spcPts val="0"/>
-              </a:spcAft>
-              <a:buClr>
-                <a:schemeClr val="lt2"/>
-              </a:buClr>
-              <a:buSzPts val="2200"/>
-              <a:buChar char="●"/>
-            </a:pPr>
-            <a:r>
-              <a:rPr b="1" lang="en" sz="2000">
-                <a:solidFill>
-                  <a:schemeClr val="lt2"/>
-                </a:solidFill>
-                <a:latin typeface="Arial"/>
-                <a:ea typeface="Arial"/>
-                <a:cs typeface="Arial"/>
-                <a:sym typeface="Arial"/>
-              </a:rPr>
-              <a:t>Challenge #1</a:t>
-            </a:r>
-            <a:r>
-              <a:rPr lang="en" sz="2000">
-                <a:solidFill>
-                  <a:schemeClr val="lt2"/>
-                </a:solidFill>
-                <a:latin typeface="Arial"/>
-                <a:ea typeface="Arial"/>
-                <a:cs typeface="Arial"/>
-                <a:sym typeface="Arial"/>
-              </a:rPr>
-              <a:t>: Mobile App development/deployment</a:t>
-            </a:r>
-            <a:endParaRPr sz="2000">
-              <a:solidFill>
-                <a:schemeClr val="lt2"/>
-              </a:solidFill>
-              <a:latin typeface="Arial"/>
-              <a:ea typeface="Arial"/>
-              <a:cs typeface="Arial"/>
-              <a:sym typeface="Arial"/>
-            </a:endParaRPr>
-          </a:p>
-          <a:p>
-            <a:pPr indent="-368300" lvl="0" marL="457200" rtl="0" algn="l">
-              <a:spcBef>
-                <a:spcPts val="0"/>
-              </a:spcBef>
-              <a:spcAft>
-                <a:spcPts val="0"/>
-              </a:spcAft>
-              <a:buClr>
-                <a:schemeClr val="lt2"/>
-              </a:buClr>
-              <a:buSzPts val="2200"/>
-              <a:buChar char="●"/>
-            </a:pPr>
-            <a:r>
-              <a:rPr b="1" lang="en" sz="2000">
-                <a:solidFill>
-                  <a:schemeClr val="lt2"/>
-                </a:solidFill>
-                <a:latin typeface="Arial"/>
-                <a:ea typeface="Arial"/>
-                <a:cs typeface="Arial"/>
-                <a:sym typeface="Arial"/>
-              </a:rPr>
-              <a:t>Challenge #2</a:t>
-            </a:r>
-            <a:r>
-              <a:rPr lang="en" sz="2000">
-                <a:solidFill>
-                  <a:schemeClr val="lt2"/>
-                </a:solidFill>
-                <a:latin typeface="Arial"/>
-                <a:ea typeface="Arial"/>
-                <a:cs typeface="Arial"/>
-                <a:sym typeface="Arial"/>
-              </a:rPr>
-              <a:t>: Learn JavaScript/Choose Framework</a:t>
-            </a:r>
-            <a:endParaRPr sz="2000">
-              <a:solidFill>
-                <a:schemeClr val="lt2"/>
-              </a:solidFill>
-              <a:latin typeface="Arial"/>
-              <a:ea typeface="Arial"/>
-              <a:cs typeface="Arial"/>
-              <a:sym typeface="Arial"/>
-            </a:endParaRPr>
-          </a:p>
-          <a:p>
-            <a:pPr indent="-368300" lvl="0" marL="457200" rtl="0" algn="l">
-              <a:spcBef>
-                <a:spcPts val="0"/>
-              </a:spcBef>
-              <a:spcAft>
-                <a:spcPts val="0"/>
-              </a:spcAft>
-              <a:buClr>
-                <a:schemeClr val="lt2"/>
-              </a:buClr>
-              <a:buSzPts val="2200"/>
-              <a:buChar char="●"/>
-            </a:pPr>
-            <a:r>
-              <a:rPr b="1" lang="en" sz="2000">
-                <a:solidFill>
-                  <a:schemeClr val="lt2"/>
-                </a:solidFill>
-                <a:latin typeface="Arial"/>
-                <a:ea typeface="Arial"/>
-                <a:cs typeface="Arial"/>
-                <a:sym typeface="Arial"/>
-              </a:rPr>
-              <a:t>Challenge #3</a:t>
-            </a:r>
-            <a:r>
-              <a:rPr lang="en" sz="2000">
-                <a:solidFill>
-                  <a:schemeClr val="lt2"/>
-                </a:solidFill>
-                <a:latin typeface="Arial"/>
-                <a:ea typeface="Arial"/>
-                <a:cs typeface="Arial"/>
-                <a:sym typeface="Arial"/>
-              </a:rPr>
-              <a:t>: Applying the Software Development paradigms taught in previous semesters to one large project.</a:t>
-            </a:r>
-            <a:endParaRPr sz="2000">
-              <a:solidFill>
-                <a:schemeClr val="lt2"/>
-              </a:solidFill>
-              <a:latin typeface="Arial"/>
-              <a:ea typeface="Arial"/>
-              <a:cs typeface="Arial"/>
-              <a:sym typeface="Arial"/>
-            </a:endParaRPr>
-          </a:p>
-          <a:p>
-            <a:pPr indent="0" lvl="0" marL="0" rtl="0" algn="l">
-              <a:spcBef>
-                <a:spcPts val="1200"/>
-              </a:spcBef>
-              <a:spcAft>
-                <a:spcPts val="1200"/>
-              </a:spcAft>
-              <a:buNone/>
-            </a:pPr>
-            <a:r>
-              <a:t/>
-            </a:r>
-            <a:endParaRPr sz="2200">
-              <a:solidFill>
-                <a:schemeClr val="lt2"/>
-              </a:solidFill>
-            </a:endParaRPr>
-          </a:p>
-        </p:txBody>
-      </p:sp>
-    </p:spTree>
-  </p:cSld>
-  <p:clrMapOvr>
-    <a:masterClrMapping/>
-  </p:clrMapOvr>
-</p:sld>
-</file>
-
-<file path=ppt/slides/slide6.xml><?xml version="1.0" encoding="utf-8"?>
-<p:sld xmlns:a="http://schemas.openxmlformats.org/drawingml/2006/main" xmlns:r="http://schemas.openxmlformats.org/officeDocument/2006/relationships" xmlns:mc="http://schemas.openxmlformats.org/markup-compatibility/2006" xmlns:mv="urn:schemas-microsoft-com:mac:vml" xmlns:p="http://schemas.openxmlformats.org/presentationml/2006/main" xmlns:c="http://schemas.openxmlformats.org/drawingml/2006/chart" xmlns:dgm="http://schemas.openxmlformats.org/drawingml/2006/diagram" xmlns:o="urn:schemas-microsoft-com:office:office" xmlns:v="urn:schemas-microsoft-com:vml" xmlns:pvml="urn:schemas-microsoft-com:office:powerpoint" xmlns:com="http://schemas.openxmlformats.org/drawingml/2006/compatibility" xmlns:p14="http://schemas.microsoft.com/office/powerpoint/2010/main" xmlns:p15="http://schemas.microsoft.com/office/powerpoint/2012/main" xmlns:ahyp="http://schemas.microsoft.com/office/drawing/2018/hyperlinkcolor">
-  <p:cSld>
-    <p:spTree>
-      <p:nvGrpSpPr>
-        <p:cNvPr id="96" name="Shape 96"/>
-        <p:cNvGrpSpPr/>
-        <p:nvPr/>
-      </p:nvGrpSpPr>
-      <p:grpSpPr>
-        <a:xfrm>
-          <a:off x="0" y="0"/>
-          <a:ext cx="0" cy="0"/>
-          <a:chOff x="0" y="0"/>
-          <a:chExt cx="0" cy="0"/>
-        </a:xfrm>
-      </p:grpSpPr>
-      <p:sp>
-        <p:nvSpPr>
-          <p:cNvPr id="97" name="Google Shape;97;p18"/>
-          <p:cNvSpPr txBox="1"/>
-          <p:nvPr>
-            <p:ph type="title"/>
-          </p:nvPr>
-        </p:nvSpPr>
-        <p:spPr>
-          <a:xfrm>
-            <a:off x="311725" y="500925"/>
-            <a:ext cx="3706500" cy="2508900"/>
-          </a:xfrm>
-          <a:prstGeom prst="rect">
-            <a:avLst/>
-          </a:prstGeom>
-        </p:spPr>
-        <p:txBody>
-          <a:bodyPr anchorCtr="0" anchor="t" bIns="91425" lIns="91425" spcFirstLastPara="1" rIns="91425" wrap="square" tIns="91425">
-            <a:normAutofit/>
-          </a:bodyPr>
-          <a:lstStyle/>
-          <a:p>
-            <a:pPr indent="0" lvl="0" marL="0" rtl="0" algn="l">
-              <a:spcBef>
-                <a:spcPts val="0"/>
-              </a:spcBef>
-              <a:spcAft>
-                <a:spcPts val="0"/>
-              </a:spcAft>
-              <a:buNone/>
-            </a:pPr>
-            <a:r>
-              <a:rPr lang="en"/>
-              <a:t>Novel Ideas</a:t>
-            </a:r>
-            <a:endParaRPr/>
-          </a:p>
-        </p:txBody>
-      </p:sp>
-      <p:sp>
-        <p:nvSpPr>
-          <p:cNvPr id="98" name="Google Shape;98;p18"/>
-          <p:cNvSpPr txBox="1"/>
-          <p:nvPr>
-            <p:ph idx="1" type="body"/>
-          </p:nvPr>
-        </p:nvSpPr>
-        <p:spPr>
-          <a:xfrm>
-            <a:off x="4644675" y="500925"/>
-            <a:ext cx="4166400" cy="4098600"/>
-          </a:xfrm>
-          <a:prstGeom prst="rect">
-            <a:avLst/>
-          </a:prstGeom>
-        </p:spPr>
-        <p:txBody>
-          <a:bodyPr anchorCtr="0" anchor="t" bIns="91425" lIns="91425" spcFirstLastPara="1" rIns="91425" wrap="square" tIns="91425">
-            <a:normAutofit/>
-          </a:bodyPr>
-          <a:lstStyle/>
-          <a:p>
-            <a:pPr indent="0" lvl="0" marL="0" rtl="0" algn="l">
-              <a:spcBef>
-                <a:spcPts val="0"/>
-              </a:spcBef>
-              <a:spcAft>
-                <a:spcPts val="1200"/>
-              </a:spcAft>
-              <a:buNone/>
-            </a:pPr>
-            <a:r>
-              <a:rPr lang="en"/>
-              <a:t>An active timeline that appears during a tour when a history “event” is triggered, visually scrolling backward from the current year to the date of the past event. Used as an indication that a mini-game or trivia section is about to begin. This is novel because we have never seen a dynamic timeline implemented in any app graphically to express to the user when an event happened, only static dates in the header/footer.</a:t>
-            </a:r>
-            <a:endParaRPr/>
-          </a:p>
-        </p:txBody>
-      </p:sp>
-    </p:spTree>
-  </p:cSld>
-  <p:clrMapOvr>
-    <a:masterClrMapping/>
-  </p:clrMapOvr>
-</p:sld>
-</file>
-
-<file path=ppt/slides/slide7.xml><?xml version="1.0" encoding="utf-8"?>
-<p:sld xmlns:a="http://schemas.openxmlformats.org/drawingml/2006/main" xmlns:r="http://schemas.openxmlformats.org/officeDocument/2006/relationships" xmlns:mc="http://schemas.openxmlformats.org/markup-compatibility/2006" xmlns:mv="urn:schemas-microsoft-com:mac:vml" xmlns:p="http://schemas.openxmlformats.org/presentationml/2006/main" xmlns:c="http://schemas.openxmlformats.org/drawingml/2006/chart" xmlns:dgm="http://schemas.openxmlformats.org/drawingml/2006/diagram" xmlns:o="urn:schemas-microsoft-com:office:office" xmlns:v="urn:schemas-microsoft-com:vml" xmlns:pvml="urn:schemas-microsoft-com:office:powerpoint" xmlns:com="http://schemas.openxmlformats.org/drawingml/2006/compatibility" xmlns:p14="http://schemas.microsoft.com/office/powerpoint/2010/main" xmlns:p15="http://schemas.microsoft.com/office/powerpoint/2012/main" xmlns:ahyp="http://schemas.microsoft.com/office/drawing/2018/hyperlinkcolor">
-  <p:cSld>
-    <p:spTree>
-      <p:nvGrpSpPr>
-        <p:cNvPr id="102" name="Shape 102"/>
-        <p:cNvGrpSpPr/>
-        <p:nvPr/>
-      </p:nvGrpSpPr>
-      <p:grpSpPr>
-        <a:xfrm>
-          <a:off x="0" y="0"/>
-          <a:ext cx="0" cy="0"/>
-          <a:chOff x="0" y="0"/>
-          <a:chExt cx="0" cy="0"/>
-        </a:xfrm>
-      </p:grpSpPr>
-      <p:sp>
-        <p:nvSpPr>
-          <p:cNvPr id="103" name="Google Shape;103;p19"/>
-          <p:cNvSpPr txBox="1"/>
-          <p:nvPr>
-            <p:ph type="title"/>
-          </p:nvPr>
-        </p:nvSpPr>
-        <p:spPr>
-          <a:xfrm>
-            <a:off x="311725" y="500925"/>
-            <a:ext cx="3706500" cy="2508900"/>
-          </a:xfrm>
-          <a:prstGeom prst="rect">
-            <a:avLst/>
-          </a:prstGeom>
-        </p:spPr>
-        <p:txBody>
-          <a:bodyPr anchorCtr="0" anchor="t" bIns="91425" lIns="91425" spcFirstLastPara="1" rIns="91425" wrap="square" tIns="91425">
-            <a:normAutofit/>
-          </a:bodyPr>
-          <a:lstStyle/>
-          <a:p>
-            <a:pPr indent="0" lvl="0" marL="0" rtl="0" algn="l">
-              <a:spcBef>
-                <a:spcPts val="0"/>
-              </a:spcBef>
-              <a:spcAft>
-                <a:spcPts val="0"/>
-              </a:spcAft>
-              <a:buNone/>
-            </a:pPr>
-            <a:r>
-              <a:rPr lang="en"/>
-              <a:t>Milestone 1</a:t>
-            </a:r>
-            <a:endParaRPr/>
-          </a:p>
-        </p:txBody>
-      </p:sp>
-      <p:sp>
-        <p:nvSpPr>
-          <p:cNvPr id="104" name="Google Shape;104;p19"/>
-          <p:cNvSpPr txBox="1"/>
-          <p:nvPr>
-            <p:ph idx="1" type="body"/>
-          </p:nvPr>
-        </p:nvSpPr>
-        <p:spPr>
-          <a:xfrm>
-            <a:off x="4644675" y="500925"/>
-            <a:ext cx="4166400" cy="4098600"/>
-          </a:xfrm>
-          <a:prstGeom prst="rect">
-            <a:avLst/>
-          </a:prstGeom>
-        </p:spPr>
-        <p:txBody>
-          <a:bodyPr anchorCtr="0" anchor="t" bIns="91425" lIns="91425" spcFirstLastPara="1" rIns="91425" wrap="square" tIns="91425">
-            <a:normAutofit/>
-          </a:bodyPr>
-          <a:lstStyle/>
-          <a:p>
-            <a:pPr indent="-311150" lvl="0" marL="457200" rtl="0" algn="l">
-              <a:spcBef>
-                <a:spcPts val="0"/>
-              </a:spcBef>
-              <a:spcAft>
-                <a:spcPts val="0"/>
-              </a:spcAft>
-              <a:buSzPts val="1300"/>
-              <a:buChar char="●"/>
-            </a:pPr>
-            <a:r>
-              <a:rPr lang="en"/>
-              <a:t>Select and Learn a JS Framework for Development</a:t>
-            </a:r>
-            <a:endParaRPr/>
-          </a:p>
-          <a:p>
-            <a:pPr indent="-311150" lvl="0" marL="457200" rtl="0" algn="l">
-              <a:spcBef>
-                <a:spcPts val="0"/>
-              </a:spcBef>
-              <a:spcAft>
-                <a:spcPts val="0"/>
-              </a:spcAft>
-              <a:buSzPts val="1300"/>
-              <a:buChar char="●"/>
-            </a:pPr>
-            <a:r>
-              <a:rPr lang="en"/>
-              <a:t>Select and Learn a Mobile Development Toolkit for iOS/Android</a:t>
-            </a:r>
-            <a:endParaRPr/>
-          </a:p>
-          <a:p>
-            <a:pPr indent="-311150" lvl="0" marL="457200" rtl="0" algn="l">
-              <a:spcBef>
-                <a:spcPts val="0"/>
-              </a:spcBef>
-              <a:spcAft>
-                <a:spcPts val="0"/>
-              </a:spcAft>
-              <a:buSzPts val="1300"/>
-              <a:buChar char="●"/>
-            </a:pPr>
-            <a:r>
-              <a:rPr lang="en"/>
-              <a:t>Begin to Collect Historical Research and Images for the Application</a:t>
-            </a:r>
-            <a:endParaRPr/>
-          </a:p>
-          <a:p>
-            <a:pPr indent="-311150" lvl="0" marL="457200" rtl="0" algn="l">
-              <a:spcBef>
-                <a:spcPts val="0"/>
-              </a:spcBef>
-              <a:spcAft>
-                <a:spcPts val="0"/>
-              </a:spcAft>
-              <a:buSzPts val="1300"/>
-              <a:buChar char="●"/>
-            </a:pPr>
-            <a:r>
-              <a:rPr lang="en"/>
-              <a:t>Create UI Mock-Ups and Get Client Feedback</a:t>
-            </a:r>
-            <a:endParaRPr/>
-          </a:p>
-          <a:p>
-            <a:pPr indent="-311150" lvl="0" marL="457200" rtl="0" algn="l">
-              <a:spcBef>
-                <a:spcPts val="0"/>
-              </a:spcBef>
-              <a:spcAft>
-                <a:spcPts val="0"/>
-              </a:spcAft>
-              <a:buSzPts val="1300"/>
-              <a:buChar char="●"/>
-            </a:pPr>
-            <a:r>
-              <a:rPr lang="en"/>
-              <a:t>Create Requirement Document</a:t>
-            </a:r>
-            <a:endParaRPr/>
-          </a:p>
-          <a:p>
-            <a:pPr indent="-311150" lvl="0" marL="457200" rtl="0" algn="l">
-              <a:spcBef>
-                <a:spcPts val="0"/>
-              </a:spcBef>
-              <a:spcAft>
-                <a:spcPts val="0"/>
-              </a:spcAft>
-              <a:buSzPts val="1300"/>
-              <a:buChar char="●"/>
-            </a:pPr>
-            <a:r>
-              <a:rPr lang="en"/>
-              <a:t>Verify and Validate Requirements</a:t>
-            </a:r>
-            <a:endParaRPr/>
-          </a:p>
-          <a:p>
-            <a:pPr indent="-311150" lvl="0" marL="457200" rtl="0" algn="l">
-              <a:spcBef>
-                <a:spcPts val="0"/>
-              </a:spcBef>
-              <a:spcAft>
-                <a:spcPts val="0"/>
-              </a:spcAft>
-              <a:buSzPts val="1300"/>
-              <a:buChar char="●"/>
-            </a:pPr>
-            <a:r>
-              <a:rPr lang="en"/>
-              <a:t>Create Design Document</a:t>
-            </a:r>
-            <a:endParaRPr/>
-          </a:p>
-          <a:p>
-            <a:pPr indent="-311150" lvl="0" marL="457200" rtl="0" algn="l">
-              <a:spcBef>
-                <a:spcPts val="0"/>
-              </a:spcBef>
-              <a:spcAft>
-                <a:spcPts val="0"/>
-              </a:spcAft>
-              <a:buSzPts val="1300"/>
-              <a:buChar char="●"/>
-            </a:pPr>
-            <a:r>
-              <a:rPr lang="en"/>
-              <a:t>Create Test Plan</a:t>
-            </a:r>
-            <a:endParaRPr sz="1200">
-              <a:solidFill>
-                <a:srgbClr val="000000"/>
-              </a:solidFill>
-              <a:latin typeface="Times New Roman"/>
-              <a:ea typeface="Times New Roman"/>
-              <a:cs typeface="Times New Roman"/>
-              <a:sym typeface="Times New Roman"/>
-            </a:endParaRPr>
-          </a:p>
-          <a:p>
-            <a:pPr indent="0" lvl="0" marL="0" rtl="0" algn="l">
-              <a:spcBef>
-                <a:spcPts val="1200"/>
-              </a:spcBef>
-              <a:spcAft>
-                <a:spcPts val="1200"/>
-              </a:spcAft>
-              <a:buNone/>
-            </a:pPr>
-            <a:r>
-              <a:t/>
-            </a:r>
-            <a:endParaRPr/>
-          </a:p>
-        </p:txBody>
-      </p:sp>
-    </p:spTree>
-  </p:cSld>
-  <p:clrMapOvr>
-    <a:masterClrMapping/>
-  </p:clrMapOvr>
-</p:sld>
-</file>
-
-<file path=ppt/slides/slide8.xml><?xml version="1.0" encoding="utf-8"?>
-<p:sld xmlns:a="http://schemas.openxmlformats.org/drawingml/2006/main" xmlns:r="http://schemas.openxmlformats.org/officeDocument/2006/relationships" xmlns:mc="http://schemas.openxmlformats.org/markup-compatibility/2006" xmlns:mv="urn:schemas-microsoft-com:mac:vml" xmlns:p="http://schemas.openxmlformats.org/presentationml/2006/main" xmlns:c="http://schemas.openxmlformats.org/drawingml/2006/chart" xmlns:dgm="http://schemas.openxmlformats.org/drawingml/2006/diagram" xmlns:o="urn:schemas-microsoft-com:office:office" xmlns:v="urn:schemas-microsoft-com:vml" xmlns:pvml="urn:schemas-microsoft-com:office:powerpoint" xmlns:com="http://schemas.openxmlformats.org/drawingml/2006/compatibility" xmlns:p14="http://schemas.microsoft.com/office/powerpoint/2010/main" xmlns:p15="http://schemas.microsoft.com/office/powerpoint/2012/main" xmlns:ahyp="http://schemas.microsoft.com/office/drawing/2018/hyperlinkcolor">
-  <p:cSld>
-    <p:spTree>
-      <p:nvGrpSpPr>
-        <p:cNvPr id="108" name="Shape 108"/>
-        <p:cNvGrpSpPr/>
-        <p:nvPr/>
-      </p:nvGrpSpPr>
-      <p:grpSpPr>
-        <a:xfrm>
-          <a:off x="0" y="0"/>
-          <a:ext cx="0" cy="0"/>
-          <a:chOff x="0" y="0"/>
-          <a:chExt cx="0" cy="0"/>
-        </a:xfrm>
-      </p:grpSpPr>
-      <p:sp>
-        <p:nvSpPr>
-          <p:cNvPr id="109" name="Google Shape;109;p20"/>
-          <p:cNvSpPr txBox="1"/>
-          <p:nvPr>
-            <p:ph type="title"/>
-          </p:nvPr>
-        </p:nvSpPr>
-        <p:spPr>
-          <a:xfrm>
-            <a:off x="311725" y="500925"/>
-            <a:ext cx="3706500" cy="2508900"/>
-          </a:xfrm>
-          <a:prstGeom prst="rect">
-            <a:avLst/>
-          </a:prstGeom>
-        </p:spPr>
-        <p:txBody>
-          <a:bodyPr anchorCtr="0" anchor="t" bIns="91425" lIns="91425" spcFirstLastPara="1" rIns="91425" wrap="square" tIns="91425">
-            <a:normAutofit/>
-          </a:bodyPr>
-          <a:lstStyle/>
-          <a:p>
-            <a:pPr indent="0" lvl="0" marL="0" rtl="0" algn="l">
-              <a:spcBef>
-                <a:spcPts val="0"/>
-              </a:spcBef>
-              <a:spcAft>
-                <a:spcPts val="0"/>
-              </a:spcAft>
-              <a:buNone/>
-            </a:pPr>
-            <a:r>
-              <a:rPr lang="en"/>
-              <a:t>Milestone 2</a:t>
-            </a:r>
-            <a:endParaRPr/>
-          </a:p>
-        </p:txBody>
-      </p:sp>
-      <p:sp>
-        <p:nvSpPr>
-          <p:cNvPr id="110" name="Google Shape;110;p20"/>
-          <p:cNvSpPr txBox="1"/>
-          <p:nvPr>
-            <p:ph idx="1" type="body"/>
-          </p:nvPr>
-        </p:nvSpPr>
-        <p:spPr>
-          <a:xfrm>
-            <a:off x="4644675" y="500925"/>
-            <a:ext cx="4166400" cy="1785900"/>
-          </a:xfrm>
-          <a:prstGeom prst="rect">
-            <a:avLst/>
-          </a:prstGeom>
-        </p:spPr>
-        <p:txBody>
-          <a:bodyPr anchorCtr="0" anchor="t" bIns="91425" lIns="91425" spcFirstLastPara="1" rIns="91425" wrap="square" tIns="91425">
-            <a:normAutofit/>
-          </a:bodyPr>
-          <a:lstStyle/>
-          <a:p>
-            <a:pPr indent="-311150" lvl="0" marL="457200" rtl="0" algn="l">
-              <a:spcBef>
-                <a:spcPts val="0"/>
-              </a:spcBef>
-              <a:spcAft>
-                <a:spcPts val="0"/>
-              </a:spcAft>
-              <a:buSzPts val="1300"/>
-              <a:buChar char="●"/>
-            </a:pPr>
-            <a:r>
-              <a:rPr lang="en"/>
-              <a:t>Implement and Deploy Basic Web App/Mobile App</a:t>
-            </a:r>
-            <a:endParaRPr/>
-          </a:p>
-          <a:p>
-            <a:pPr indent="-311150" lvl="0" marL="457200" rtl="0" algn="l">
-              <a:spcBef>
-                <a:spcPts val="0"/>
-              </a:spcBef>
-              <a:spcAft>
-                <a:spcPts val="0"/>
-              </a:spcAft>
-              <a:buSzPts val="1300"/>
-              <a:buChar char="●"/>
-            </a:pPr>
-            <a:r>
-              <a:rPr lang="en"/>
-              <a:t>Choose GPS/Location Framework/API</a:t>
-            </a:r>
-            <a:endParaRPr/>
-          </a:p>
-          <a:p>
-            <a:pPr indent="-311150" lvl="0" marL="457200" rtl="0" algn="l">
-              <a:spcBef>
-                <a:spcPts val="0"/>
-              </a:spcBef>
-              <a:spcAft>
-                <a:spcPts val="0"/>
-              </a:spcAft>
-              <a:buSzPts val="1300"/>
-              <a:buChar char="●"/>
-            </a:pPr>
-            <a:r>
-              <a:rPr lang="en"/>
-              <a:t>Build Out Historical Database</a:t>
-            </a:r>
-            <a:endParaRPr/>
-          </a:p>
-        </p:txBody>
-      </p:sp>
-      <p:sp>
-        <p:nvSpPr>
-          <p:cNvPr id="111" name="Google Shape;111;p20"/>
-          <p:cNvSpPr txBox="1"/>
-          <p:nvPr>
-            <p:ph type="title"/>
-          </p:nvPr>
-        </p:nvSpPr>
-        <p:spPr>
-          <a:xfrm>
-            <a:off x="311725" y="2499350"/>
-            <a:ext cx="3706500" cy="2508900"/>
-          </a:xfrm>
-          <a:prstGeom prst="rect">
-            <a:avLst/>
-          </a:prstGeom>
-        </p:spPr>
-        <p:txBody>
-          <a:bodyPr anchorCtr="0" anchor="t" bIns="91425" lIns="91425" spcFirstLastPara="1" rIns="91425" wrap="square" tIns="91425">
-            <a:normAutofit/>
-          </a:bodyPr>
-          <a:lstStyle/>
-          <a:p>
-            <a:pPr indent="0" lvl="0" marL="0" rtl="0" algn="l">
-              <a:spcBef>
-                <a:spcPts val="0"/>
-              </a:spcBef>
-              <a:spcAft>
-                <a:spcPts val="0"/>
-              </a:spcAft>
-              <a:buNone/>
-            </a:pPr>
-            <a:r>
-              <a:rPr lang="en"/>
-              <a:t>Milestone 3</a:t>
-            </a:r>
-            <a:endParaRPr/>
-          </a:p>
-        </p:txBody>
-      </p:sp>
-      <p:sp>
-        <p:nvSpPr>
-          <p:cNvPr id="112" name="Google Shape;112;p20"/>
-          <p:cNvSpPr txBox="1"/>
-          <p:nvPr>
-            <p:ph idx="1" type="body"/>
-          </p:nvPr>
-        </p:nvSpPr>
-        <p:spPr>
-          <a:xfrm>
-            <a:off x="4797075" y="2571750"/>
-            <a:ext cx="4166400" cy="1785900"/>
-          </a:xfrm>
-          <a:prstGeom prst="rect">
-            <a:avLst/>
-          </a:prstGeom>
-        </p:spPr>
-        <p:txBody>
-          <a:bodyPr anchorCtr="0" anchor="t" bIns="91425" lIns="91425" spcFirstLastPara="1" rIns="91425" wrap="square" tIns="91425">
-            <a:normAutofit/>
-          </a:bodyPr>
-          <a:lstStyle/>
-          <a:p>
-            <a:pPr indent="-311150" lvl="0" marL="457200" rtl="0" algn="l">
-              <a:spcBef>
-                <a:spcPts val="0"/>
-              </a:spcBef>
-              <a:spcAft>
-                <a:spcPts val="0"/>
-              </a:spcAft>
-              <a:buSzPts val="1300"/>
-              <a:buChar char="●"/>
-            </a:pPr>
-            <a:r>
-              <a:rPr lang="en"/>
-              <a:t>Develop UI Further</a:t>
-            </a:r>
-            <a:endParaRPr/>
-          </a:p>
-          <a:p>
-            <a:pPr indent="-311150" lvl="0" marL="457200" rtl="0" algn="l">
-              <a:spcBef>
-                <a:spcPts val="0"/>
-              </a:spcBef>
-              <a:spcAft>
-                <a:spcPts val="0"/>
-              </a:spcAft>
-              <a:buSzPts val="1300"/>
-              <a:buChar char="●"/>
-            </a:pPr>
-            <a:r>
-              <a:rPr lang="en"/>
-              <a:t>Implement Timeline</a:t>
-            </a:r>
-            <a:endParaRPr/>
-          </a:p>
-          <a:p>
-            <a:pPr indent="-311150" lvl="0" marL="457200" rtl="0" algn="l">
-              <a:spcBef>
-                <a:spcPts val="0"/>
-              </a:spcBef>
-              <a:spcAft>
-                <a:spcPts val="0"/>
-              </a:spcAft>
-              <a:buSzPts val="1300"/>
-              <a:buChar char="●"/>
-            </a:pPr>
-            <a:r>
-              <a:rPr lang="en"/>
-              <a:t>Test GPS Popup On Arrival at a Location</a:t>
-            </a:r>
-            <a:endParaRPr/>
-          </a:p>
-          <a:p>
-            <a:pPr indent="-311150" lvl="0" marL="457200" rtl="0" algn="l">
-              <a:spcBef>
-                <a:spcPts val="0"/>
-              </a:spcBef>
-              <a:spcAft>
-                <a:spcPts val="0"/>
-              </a:spcAft>
-              <a:buSzPts val="1300"/>
-              <a:buChar char="●"/>
-            </a:pPr>
-            <a:r>
-              <a:rPr lang="en"/>
-              <a:t>Validate Historical Database into Application Timeline</a:t>
-            </a:r>
-            <a:endParaRPr/>
-          </a:p>
-        </p:txBody>
-      </p:sp>
-    </p:spTree>
-  </p:cSld>
-  <p:clrMapOvr>
-    <a:masterClrMapping/>
-  </p:clrMapOvr>
-</p:sld>
-</file>
-
-<file path=ppt/slides/slide9.xml><?xml version="1.0" encoding="utf-8"?>
-<p:sld xmlns:a="http://schemas.openxmlformats.org/drawingml/2006/main" xmlns:r="http://schemas.openxmlformats.org/officeDocument/2006/relationships" xmlns:mc="http://schemas.openxmlformats.org/markup-compatibility/2006" xmlns:mv="urn:schemas-microsoft-com:mac:vml" xmlns:p="http://schemas.openxmlformats.org/presentationml/2006/main" xmlns:c="http://schemas.openxmlformats.org/drawingml/2006/chart" xmlns:dgm="http://schemas.openxmlformats.org/drawingml/2006/diagram" xmlns:o="urn:schemas-microsoft-com:office:office" xmlns:v="urn:schemas-microsoft-com:vml" xmlns:pvml="urn:schemas-microsoft-com:office:powerpoint" xmlns:com="http://schemas.openxmlformats.org/drawingml/2006/compatibility" xmlns:p14="http://schemas.microsoft.com/office/powerpoint/2010/main" xmlns:p15="http://schemas.microsoft.com/office/powerpoint/2012/main" xmlns:ahyp="http://schemas.microsoft.com/office/drawing/2018/hyperlinkcolor">
-  <p:cSld>
-    <p:spTree>
-      <p:nvGrpSpPr>
-        <p:cNvPr id="116" name="Shape 116"/>
-        <p:cNvGrpSpPr/>
-        <p:nvPr/>
-      </p:nvGrpSpPr>
-      <p:grpSpPr>
-        <a:xfrm>
-          <a:off x="0" y="0"/>
-          <a:ext cx="0" cy="0"/>
-          <a:chOff x="0" y="0"/>
-          <a:chExt cx="0" cy="0"/>
-        </a:xfrm>
-      </p:grpSpPr>
-      <p:sp>
-        <p:nvSpPr>
-          <p:cNvPr id="117" name="Google Shape;117;p21"/>
-          <p:cNvSpPr txBox="1"/>
-          <p:nvPr>
-            <p:ph type="title"/>
-          </p:nvPr>
-        </p:nvSpPr>
-        <p:spPr>
-          <a:xfrm>
-            <a:off x="311725" y="500925"/>
-            <a:ext cx="8520600" cy="623700"/>
-          </a:xfrm>
-          <a:prstGeom prst="rect">
-            <a:avLst/>
-          </a:prstGeom>
-        </p:spPr>
-        <p:txBody>
-          <a:bodyPr anchorCtr="0" anchor="t" bIns="91425" lIns="91425" spcFirstLastPara="1" rIns="91425" wrap="square" tIns="91425">
-            <a:normAutofit/>
-          </a:bodyPr>
-          <a:lstStyle/>
-          <a:p>
-            <a:pPr indent="0" lvl="0" marL="0" rtl="0" algn="l">
-              <a:spcBef>
-                <a:spcPts val="0"/>
-              </a:spcBef>
-              <a:spcAft>
-                <a:spcPts val="0"/>
-              </a:spcAft>
-              <a:buNone/>
-            </a:pPr>
-            <a:r>
-              <a:rPr lang="en"/>
               <a:t>Task Matrix: Milestone 1</a:t>
             </a:r>
             <a:endParaRPr/>
@@ -9581,7 +8021,7 @@
       </p:sp>
       <p:graphicFrame>
         <p:nvGraphicFramePr>
-          <p:cNvPr id="118" name="Google Shape;118;p21"/>
+          <p:cNvPr id="125" name="Google Shape;125;p22"/>
           <p:cNvGraphicFramePr/>
           <p:nvPr/>
         </p:nvGraphicFramePr>
@@ -9594,7 +8034,7 @@
             <a:tbl>
               <a:tblPr>
                 <a:noFill/>
-                <a:tableStyleId>{C18969D7-6C40-49D6-A63A-70E562D4EC7A}</a:tableStyleId>
+                <a:tableStyleId>{9CB7E22A-B211-4261-8D6A-47E3C6B9EBAE}</a:tableStyleId>
               </a:tblPr>
               <a:tblGrid>
                 <a:gridCol w="1695375"/>
@@ -9825,7 +8265,7 @@
                           <a:cs typeface="Times New Roman"/>
                           <a:sym typeface="Times New Roman"/>
                         </a:rPr>
-                        <a:t>25</a:t>
+                        <a:t>25%</a:t>
                       </a:r>
                       <a:endParaRPr sz="1200">
                         <a:latin typeface="Times New Roman"/>
@@ -9858,7 +8298,7 @@
                           <a:cs typeface="Times New Roman"/>
                           <a:sym typeface="Times New Roman"/>
                         </a:rPr>
-                        <a:t>25</a:t>
+                        <a:t>25%</a:t>
                       </a:r>
                       <a:endParaRPr sz="1200">
                         <a:latin typeface="Times New Roman"/>
@@ -9891,7 +8331,7 @@
                           <a:cs typeface="Times New Roman"/>
                           <a:sym typeface="Times New Roman"/>
                         </a:rPr>
-                        <a:t>25</a:t>
+                        <a:t>25%</a:t>
                       </a:r>
                       <a:endParaRPr sz="1200">
                         <a:latin typeface="Times New Roman"/>
@@ -9924,7 +8364,7 @@
                           <a:cs typeface="Times New Roman"/>
                           <a:sym typeface="Times New Roman"/>
                         </a:rPr>
-                        <a:t>25</a:t>
+                        <a:t>25%</a:t>
                       </a:r>
                       <a:endParaRPr sz="1200">
                         <a:latin typeface="Times New Roman"/>
@@ -9992,7 +8432,7 @@
                           <a:cs typeface="Times New Roman"/>
                           <a:sym typeface="Times New Roman"/>
                         </a:rPr>
-                        <a:t>55</a:t>
+                        <a:t>55%</a:t>
                       </a:r>
                       <a:endParaRPr sz="1200">
                         <a:latin typeface="Times New Roman"/>
@@ -10025,7 +8465,7 @@
                           <a:cs typeface="Times New Roman"/>
                           <a:sym typeface="Times New Roman"/>
                         </a:rPr>
-                        <a:t>15</a:t>
+                        <a:t>15%</a:t>
                       </a:r>
                       <a:endParaRPr sz="1200">
                         <a:latin typeface="Times New Roman"/>
@@ -10058,7 +8498,7 @@
                           <a:cs typeface="Times New Roman"/>
                           <a:sym typeface="Times New Roman"/>
                         </a:rPr>
-                        <a:t>15</a:t>
+                        <a:t>15%</a:t>
                       </a:r>
                       <a:endParaRPr sz="1200">
                         <a:latin typeface="Times New Roman"/>
@@ -10091,7 +8531,7 @@
                           <a:cs typeface="Times New Roman"/>
                           <a:sym typeface="Times New Roman"/>
                         </a:rPr>
-                        <a:t>15</a:t>
+                        <a:t>15%</a:t>
                       </a:r>
                       <a:endParaRPr sz="1200">
                         <a:latin typeface="Times New Roman"/>
@@ -10827,7 +9267,7 @@
                           <a:cs typeface="Times New Roman"/>
                           <a:sym typeface="Times New Roman"/>
                         </a:rPr>
-                        <a:t>Write 25%</a:t>
+                        <a:t>Write 35%</a:t>
                       </a:r>
                       <a:endParaRPr sz="1200">
                         <a:latin typeface="Times New Roman"/>
@@ -10860,7 +9300,7 @@
                           <a:cs typeface="Times New Roman"/>
                           <a:sym typeface="Times New Roman"/>
                         </a:rPr>
-                        <a:t>Write 25%</a:t>
+                        <a:t>Write 15%</a:t>
                       </a:r>
                       <a:endParaRPr sz="1200">
                         <a:latin typeface="Times New Roman"/>
@@ -10893,7 +9333,7 @@
                           <a:cs typeface="Times New Roman"/>
                           <a:sym typeface="Times New Roman"/>
                         </a:rPr>
-                        <a:t>Write 50%</a:t>
+                        <a:t>Write 35%</a:t>
                       </a:r>
                       <a:endParaRPr sz="1200">
                         <a:latin typeface="Times New Roman"/>
@@ -10920,7 +9360,13 @@
                         <a:buNone/>
                       </a:pPr>
                       <a:r>
-                        <a:t/>
+                        <a:rPr lang="en" sz="1200">
+                          <a:latin typeface="Times New Roman"/>
+                          <a:ea typeface="Times New Roman"/>
+                          <a:cs typeface="Times New Roman"/>
+                          <a:sym typeface="Times New Roman"/>
+                        </a:rPr>
+                        <a:t>Write 15%</a:t>
                       </a:r>
                       <a:endParaRPr sz="1200">
                         <a:latin typeface="Times New Roman"/>
@@ -11104,6 +9550,2228 @@
           </a:graphicData>
         </a:graphic>
       </p:graphicFrame>
+    </p:spTree>
+  </p:cSld>
+  <p:clrMapOvr>
+    <a:masterClrMapping/>
+  </p:clrMapOvr>
+</p:sld>
+</file>
+
+<file path=ppt/slides/slide11.xml><?xml version="1.0" encoding="utf-8"?>
+<p:sld xmlns:a="http://schemas.openxmlformats.org/drawingml/2006/main" xmlns:r="http://schemas.openxmlformats.org/officeDocument/2006/relationships" xmlns:mc="http://schemas.openxmlformats.org/markup-compatibility/2006" xmlns:mv="urn:schemas-microsoft-com:mac:vml" xmlns:p="http://schemas.openxmlformats.org/presentationml/2006/main" xmlns:c="http://schemas.openxmlformats.org/drawingml/2006/chart" xmlns:dgm="http://schemas.openxmlformats.org/drawingml/2006/diagram" xmlns:o="urn:schemas-microsoft-com:office:office" xmlns:v="urn:schemas-microsoft-com:vml" xmlns:pvml="urn:schemas-microsoft-com:office:powerpoint" xmlns:com="http://schemas.openxmlformats.org/drawingml/2006/compatibility" xmlns:p14="http://schemas.microsoft.com/office/powerpoint/2010/main" xmlns:p15="http://schemas.microsoft.com/office/powerpoint/2012/main" xmlns:ahyp="http://schemas.microsoft.com/office/drawing/2018/hyperlinkcolor">
+  <p:cSld>
+    <p:spTree>
+      <p:nvGrpSpPr>
+        <p:cNvPr id="129" name="Shape 129"/>
+        <p:cNvGrpSpPr/>
+        <p:nvPr/>
+      </p:nvGrpSpPr>
+      <p:grpSpPr>
+        <a:xfrm>
+          <a:off x="0" y="0"/>
+          <a:ext cx="0" cy="0"/>
+          <a:chOff x="0" y="0"/>
+          <a:chExt cx="0" cy="0"/>
+        </a:xfrm>
+      </p:grpSpPr>
+      <p:sp>
+        <p:nvSpPr>
+          <p:cNvPr id="130" name="Google Shape;130;p23"/>
+          <p:cNvSpPr txBox="1"/>
+          <p:nvPr>
+            <p:ph type="ctrTitle"/>
+          </p:nvPr>
+        </p:nvSpPr>
+        <p:spPr>
+          <a:xfrm>
+            <a:off x="3163350" y="2203500"/>
+            <a:ext cx="2817300" cy="736500"/>
+          </a:xfrm>
+          <a:prstGeom prst="rect">
+            <a:avLst/>
+          </a:prstGeom>
+        </p:spPr>
+        <p:txBody>
+          <a:bodyPr anchorCtr="0" anchor="t" bIns="91425" lIns="91425" spcFirstLastPara="1" rIns="91425" wrap="square" tIns="91425">
+            <a:normAutofit/>
+          </a:bodyPr>
+          <a:lstStyle/>
+          <a:p>
+            <a:pPr indent="0" lvl="0" marL="0" rtl="0" algn="l">
+              <a:spcBef>
+                <a:spcPts val="0"/>
+              </a:spcBef>
+              <a:spcAft>
+                <a:spcPts val="0"/>
+              </a:spcAft>
+              <a:buNone/>
+            </a:pPr>
+            <a:r>
+              <a:rPr lang="en"/>
+              <a:t>Questions?</a:t>
+            </a:r>
+            <a:endParaRPr/>
+          </a:p>
+        </p:txBody>
+      </p:sp>
+    </p:spTree>
+  </p:cSld>
+  <p:clrMapOvr>
+    <a:masterClrMapping/>
+  </p:clrMapOvr>
+</p:sld>
+</file>
+
+<file path=ppt/slides/slide2.xml><?xml version="1.0" encoding="utf-8"?>
+<p:sld xmlns:a="http://schemas.openxmlformats.org/drawingml/2006/main" xmlns:r="http://schemas.openxmlformats.org/officeDocument/2006/relationships" xmlns:mc="http://schemas.openxmlformats.org/markup-compatibility/2006" xmlns:mv="urn:schemas-microsoft-com:mac:vml" xmlns:p="http://schemas.openxmlformats.org/presentationml/2006/main" xmlns:c="http://schemas.openxmlformats.org/drawingml/2006/chart" xmlns:dgm="http://schemas.openxmlformats.org/drawingml/2006/diagram" xmlns:o="urn:schemas-microsoft-com:office:office" xmlns:v="urn:schemas-microsoft-com:vml" xmlns:pvml="urn:schemas-microsoft-com:office:powerpoint" xmlns:com="http://schemas.openxmlformats.org/drawingml/2006/compatibility" xmlns:p14="http://schemas.microsoft.com/office/powerpoint/2010/main" xmlns:p15="http://schemas.microsoft.com/office/powerpoint/2012/main" xmlns:ahyp="http://schemas.microsoft.com/office/drawing/2018/hyperlinkcolor">
+  <p:cSld>
+    <p:spTree>
+      <p:nvGrpSpPr>
+        <p:cNvPr id="69" name="Shape 69"/>
+        <p:cNvGrpSpPr/>
+        <p:nvPr/>
+      </p:nvGrpSpPr>
+      <p:grpSpPr>
+        <a:xfrm>
+          <a:off x="0" y="0"/>
+          <a:ext cx="0" cy="0"/>
+          <a:chOff x="0" y="0"/>
+          <a:chExt cx="0" cy="0"/>
+        </a:xfrm>
+      </p:grpSpPr>
+      <p:sp>
+        <p:nvSpPr>
+          <p:cNvPr id="70" name="Google Shape;70;p14"/>
+          <p:cNvSpPr txBox="1"/>
+          <p:nvPr>
+            <p:ph type="title"/>
+          </p:nvPr>
+        </p:nvSpPr>
+        <p:spPr>
+          <a:xfrm>
+            <a:off x="311725" y="500925"/>
+            <a:ext cx="8520600" cy="623700"/>
+          </a:xfrm>
+          <a:prstGeom prst="rect">
+            <a:avLst/>
+          </a:prstGeom>
+        </p:spPr>
+        <p:txBody>
+          <a:bodyPr anchorCtr="0" anchor="t" bIns="91425" lIns="91425" spcFirstLastPara="1" rIns="91425" wrap="square" tIns="91425">
+            <a:normAutofit/>
+          </a:bodyPr>
+          <a:lstStyle/>
+          <a:p>
+            <a:pPr indent="0" lvl="0" marL="0" rtl="0" algn="l">
+              <a:spcBef>
+                <a:spcPts val="0"/>
+              </a:spcBef>
+              <a:spcAft>
+                <a:spcPts val="0"/>
+              </a:spcAft>
+              <a:buNone/>
+            </a:pPr>
+            <a:r>
+              <a:rPr lang="en"/>
+              <a:t>Faculty Advisor and Client</a:t>
+            </a:r>
+            <a:endParaRPr/>
+          </a:p>
+        </p:txBody>
+      </p:sp>
+      <p:sp>
+        <p:nvSpPr>
+          <p:cNvPr id="71" name="Google Shape;71;p14"/>
+          <p:cNvSpPr txBox="1"/>
+          <p:nvPr>
+            <p:ph idx="1" type="body"/>
+          </p:nvPr>
+        </p:nvSpPr>
+        <p:spPr>
+          <a:xfrm>
+            <a:off x="311700" y="3958200"/>
+            <a:ext cx="3999900" cy="623700"/>
+          </a:xfrm>
+          <a:prstGeom prst="rect">
+            <a:avLst/>
+          </a:prstGeom>
+        </p:spPr>
+        <p:txBody>
+          <a:bodyPr anchorCtr="0" anchor="t" bIns="91425" lIns="91425" spcFirstLastPara="1" rIns="91425" wrap="square" tIns="91425">
+            <a:normAutofit fontScale="77500" lnSpcReduction="10000"/>
+          </a:bodyPr>
+          <a:lstStyle/>
+          <a:p>
+            <a:pPr indent="0" lvl="0" marL="0" rtl="0" algn="ctr">
+              <a:spcBef>
+                <a:spcPts val="0"/>
+              </a:spcBef>
+              <a:spcAft>
+                <a:spcPts val="1200"/>
+              </a:spcAft>
+              <a:buNone/>
+            </a:pPr>
+            <a:r>
+              <a:rPr b="1" lang="en" sz="1800">
+                <a:solidFill>
+                  <a:schemeClr val="lt2"/>
+                </a:solidFill>
+              </a:rPr>
+              <a:t>Faculty Advisor</a:t>
+            </a:r>
+            <a:r>
+              <a:rPr lang="en" sz="1800">
+                <a:solidFill>
+                  <a:schemeClr val="lt2"/>
+                </a:solidFill>
+              </a:rPr>
+              <a:t>: Dr. Fitzroy Nembhard (</a:t>
+            </a:r>
+            <a:r>
+              <a:rPr lang="en" sz="1800" u="sng">
+                <a:solidFill>
+                  <a:schemeClr val="accent5"/>
+                </a:solidFill>
+                <a:latin typeface="Arial"/>
+                <a:ea typeface="Arial"/>
+                <a:cs typeface="Arial"/>
+                <a:sym typeface="Arial"/>
+                <a:hlinkClick r:id="rId3">
+                  <a:extLst>
+                    <a:ext uri="{A12FA001-AC4F-418D-AE19-62706E023703}">
+                      <ahyp:hlinkClr val="tx"/>
+                    </a:ext>
+                  </a:extLst>
+                </a:hlinkClick>
+              </a:rPr>
+              <a:t>fnembhard@fit.ed</a:t>
+            </a:r>
+            <a:r>
+              <a:rPr lang="en" sz="1800">
+                <a:solidFill>
+                  <a:schemeClr val="accent5"/>
+                </a:solidFill>
+                <a:latin typeface="Arial"/>
+                <a:ea typeface="Arial"/>
+                <a:cs typeface="Arial"/>
+                <a:sym typeface="Arial"/>
+              </a:rPr>
+              <a:t>u</a:t>
+            </a:r>
+            <a:r>
+              <a:rPr lang="en" sz="1800">
+                <a:solidFill>
+                  <a:schemeClr val="lt2"/>
+                </a:solidFill>
+                <a:latin typeface="Arial"/>
+                <a:ea typeface="Arial"/>
+                <a:cs typeface="Arial"/>
+                <a:sym typeface="Arial"/>
+              </a:rPr>
+              <a:t>)</a:t>
+            </a:r>
+            <a:endParaRPr sz="1800">
+              <a:solidFill>
+                <a:schemeClr val="lt2"/>
+              </a:solidFill>
+              <a:latin typeface="Arial"/>
+              <a:ea typeface="Arial"/>
+              <a:cs typeface="Arial"/>
+              <a:sym typeface="Arial"/>
+            </a:endParaRPr>
+          </a:p>
+        </p:txBody>
+      </p:sp>
+      <p:pic>
+        <p:nvPicPr>
+          <p:cNvPr id="72" name="Google Shape;72;p14"/>
+          <p:cNvPicPr preferRelativeResize="0"/>
+          <p:nvPr/>
+        </p:nvPicPr>
+        <p:blipFill>
+          <a:blip r:embed="rId4">
+            <a:alphaModFix/>
+          </a:blip>
+          <a:stretch>
+            <a:fillRect/>
+          </a:stretch>
+        </p:blipFill>
+        <p:spPr>
+          <a:xfrm>
+            <a:off x="1342675" y="1505700"/>
+            <a:ext cx="1937945" cy="2362198"/>
+          </a:xfrm>
+          <a:prstGeom prst="rect">
+            <a:avLst/>
+          </a:prstGeom>
+          <a:noFill/>
+          <a:ln>
+            <a:noFill/>
+          </a:ln>
+        </p:spPr>
+      </p:pic>
+      <p:pic>
+        <p:nvPicPr>
+          <p:cNvPr id="73" name="Google Shape;73;p14"/>
+          <p:cNvPicPr preferRelativeResize="0"/>
+          <p:nvPr/>
+        </p:nvPicPr>
+        <p:blipFill>
+          <a:blip r:embed="rId5">
+            <a:alphaModFix/>
+          </a:blip>
+          <a:stretch>
+            <a:fillRect/>
+          </a:stretch>
+        </p:blipFill>
+        <p:spPr>
+          <a:xfrm>
+            <a:off x="5884600" y="1505700"/>
+            <a:ext cx="1895475" cy="2362200"/>
+          </a:xfrm>
+          <a:prstGeom prst="rect">
+            <a:avLst/>
+          </a:prstGeom>
+          <a:noFill/>
+          <a:ln>
+            <a:noFill/>
+          </a:ln>
+        </p:spPr>
+      </p:pic>
+      <p:sp>
+        <p:nvSpPr>
+          <p:cNvPr id="74" name="Google Shape;74;p14"/>
+          <p:cNvSpPr txBox="1"/>
+          <p:nvPr>
+            <p:ph idx="2" type="body"/>
+          </p:nvPr>
+        </p:nvSpPr>
+        <p:spPr>
+          <a:xfrm>
+            <a:off x="4832400" y="3958200"/>
+            <a:ext cx="3999900" cy="623700"/>
+          </a:xfrm>
+          <a:prstGeom prst="rect">
+            <a:avLst/>
+          </a:prstGeom>
+        </p:spPr>
+        <p:txBody>
+          <a:bodyPr anchorCtr="0" anchor="t" bIns="91425" lIns="91425" spcFirstLastPara="1" rIns="91425" wrap="square" tIns="91425">
+            <a:normAutofit fontScale="85000"/>
+          </a:bodyPr>
+          <a:lstStyle/>
+          <a:p>
+            <a:pPr indent="0" lvl="0" marL="0" rtl="0" algn="ctr">
+              <a:spcBef>
+                <a:spcPts val="0"/>
+              </a:spcBef>
+              <a:spcAft>
+                <a:spcPts val="1200"/>
+              </a:spcAft>
+              <a:buNone/>
+            </a:pPr>
+            <a:r>
+              <a:rPr b="1" lang="en" sz="1800">
+                <a:solidFill>
+                  <a:schemeClr val="lt2"/>
+                </a:solidFill>
+                <a:latin typeface="Arial"/>
+                <a:ea typeface="Arial"/>
+                <a:cs typeface="Arial"/>
+                <a:sym typeface="Arial"/>
+              </a:rPr>
+              <a:t>Client</a:t>
+            </a:r>
+            <a:r>
+              <a:rPr lang="en" sz="1800">
+                <a:solidFill>
+                  <a:schemeClr val="lt2"/>
+                </a:solidFill>
+                <a:latin typeface="Arial"/>
+                <a:ea typeface="Arial"/>
+                <a:cs typeface="Arial"/>
+                <a:sym typeface="Arial"/>
+              </a:rPr>
+              <a:t>: Ryan Stansifer (</a:t>
+            </a:r>
+            <a:r>
+              <a:rPr lang="en" sz="1800" u="sng">
+                <a:solidFill>
+                  <a:schemeClr val="accent5"/>
+                </a:solidFill>
+                <a:latin typeface="Arial"/>
+                <a:ea typeface="Arial"/>
+                <a:cs typeface="Arial"/>
+                <a:sym typeface="Arial"/>
+                <a:hlinkClick r:id="rId6">
+                  <a:extLst>
+                    <a:ext uri="{A12FA001-AC4F-418D-AE19-62706E023703}">
+                      <ahyp:hlinkClr val="tx"/>
+                    </a:ext>
+                  </a:extLst>
+                </a:hlinkClick>
+              </a:rPr>
+              <a:t>ryan@fit.edu</a:t>
+            </a:r>
+            <a:r>
+              <a:rPr lang="en" sz="1800">
+                <a:solidFill>
+                  <a:schemeClr val="lt2"/>
+                </a:solidFill>
+                <a:latin typeface="Arial"/>
+                <a:ea typeface="Arial"/>
+                <a:cs typeface="Arial"/>
+                <a:sym typeface="Arial"/>
+              </a:rPr>
+              <a:t>)</a:t>
+            </a:r>
+            <a:endParaRPr/>
+          </a:p>
+        </p:txBody>
+      </p:sp>
+    </p:spTree>
+  </p:cSld>
+  <p:clrMapOvr>
+    <a:masterClrMapping/>
+  </p:clrMapOvr>
+</p:sld>
+</file>
+
+<file path=ppt/slides/slide3.xml><?xml version="1.0" encoding="utf-8"?>
+<p:sld xmlns:a="http://schemas.openxmlformats.org/drawingml/2006/main" xmlns:r="http://schemas.openxmlformats.org/officeDocument/2006/relationships" xmlns:mc="http://schemas.openxmlformats.org/markup-compatibility/2006" xmlns:mv="urn:schemas-microsoft-com:mac:vml" xmlns:p="http://schemas.openxmlformats.org/presentationml/2006/main" xmlns:c="http://schemas.openxmlformats.org/drawingml/2006/chart" xmlns:dgm="http://schemas.openxmlformats.org/drawingml/2006/diagram" xmlns:o="urn:schemas-microsoft-com:office:office" xmlns:v="urn:schemas-microsoft-com:vml" xmlns:pvml="urn:schemas-microsoft-com:office:powerpoint" xmlns:com="http://schemas.openxmlformats.org/drawingml/2006/compatibility" xmlns:p14="http://schemas.microsoft.com/office/powerpoint/2010/main" xmlns:p15="http://schemas.microsoft.com/office/powerpoint/2012/main" xmlns:ahyp="http://schemas.microsoft.com/office/drawing/2018/hyperlinkcolor">
+  <p:cSld>
+    <p:spTree>
+      <p:nvGrpSpPr>
+        <p:cNvPr id="78" name="Shape 78"/>
+        <p:cNvGrpSpPr/>
+        <p:nvPr/>
+      </p:nvGrpSpPr>
+      <p:grpSpPr>
+        <a:xfrm>
+          <a:off x="0" y="0"/>
+          <a:ext cx="0" cy="0"/>
+          <a:chOff x="0" y="0"/>
+          <a:chExt cx="0" cy="0"/>
+        </a:xfrm>
+      </p:grpSpPr>
+      <p:sp>
+        <p:nvSpPr>
+          <p:cNvPr id="79" name="Google Shape;79;p15"/>
+          <p:cNvSpPr txBox="1"/>
+          <p:nvPr>
+            <p:ph type="title"/>
+          </p:nvPr>
+        </p:nvSpPr>
+        <p:spPr>
+          <a:xfrm>
+            <a:off x="311725" y="500925"/>
+            <a:ext cx="3706500" cy="2508900"/>
+          </a:xfrm>
+          <a:prstGeom prst="rect">
+            <a:avLst/>
+          </a:prstGeom>
+        </p:spPr>
+        <p:txBody>
+          <a:bodyPr anchorCtr="0" anchor="t" bIns="91425" lIns="91425" spcFirstLastPara="1" rIns="91425" wrap="square" tIns="91425">
+            <a:normAutofit/>
+          </a:bodyPr>
+          <a:lstStyle/>
+          <a:p>
+            <a:pPr indent="0" lvl="0" marL="0" rtl="0" algn="l">
+              <a:spcBef>
+                <a:spcPts val="0"/>
+              </a:spcBef>
+              <a:spcAft>
+                <a:spcPts val="0"/>
+              </a:spcAft>
+              <a:buNone/>
+            </a:pPr>
+            <a:r>
+              <a:rPr lang="en"/>
+              <a:t>Our Goal</a:t>
+            </a:r>
+            <a:endParaRPr/>
+          </a:p>
+        </p:txBody>
+      </p:sp>
+      <p:sp>
+        <p:nvSpPr>
+          <p:cNvPr id="80" name="Google Shape;80;p15"/>
+          <p:cNvSpPr txBox="1"/>
+          <p:nvPr>
+            <p:ph idx="1" type="body"/>
+          </p:nvPr>
+        </p:nvSpPr>
+        <p:spPr>
+          <a:xfrm>
+            <a:off x="4644675" y="500925"/>
+            <a:ext cx="4166400" cy="4098600"/>
+          </a:xfrm>
+          <a:prstGeom prst="rect">
+            <a:avLst/>
+          </a:prstGeom>
+        </p:spPr>
+        <p:txBody>
+          <a:bodyPr anchorCtr="0" anchor="t" bIns="91425" lIns="91425" spcFirstLastPara="1" rIns="91425" wrap="square" tIns="91425">
+            <a:noAutofit/>
+          </a:bodyPr>
+          <a:lstStyle/>
+          <a:p>
+            <a:pPr indent="-317500" lvl="0" marL="457200" rtl="0" algn="l">
+              <a:spcBef>
+                <a:spcPts val="1200"/>
+              </a:spcBef>
+              <a:spcAft>
+                <a:spcPts val="0"/>
+              </a:spcAft>
+              <a:buClr>
+                <a:schemeClr val="lt2"/>
+              </a:buClr>
+              <a:buSzPts val="1400"/>
+              <a:buChar char="●"/>
+            </a:pPr>
+            <a:r>
+              <a:rPr b="1" lang="en" sz="1400">
+                <a:solidFill>
+                  <a:schemeClr val="lt2"/>
+                </a:solidFill>
+              </a:rPr>
+              <a:t>Goal</a:t>
+            </a:r>
+            <a:r>
+              <a:rPr lang="en" sz="1400">
+                <a:solidFill>
+                  <a:schemeClr val="lt2"/>
+                </a:solidFill>
+              </a:rPr>
+              <a:t>: To provide users with a mobile suite for navigating the Florida Tech campus while engaging them with historical content:</a:t>
+            </a:r>
+            <a:endParaRPr sz="1400">
+              <a:solidFill>
+                <a:schemeClr val="lt2"/>
+              </a:solidFill>
+            </a:endParaRPr>
+          </a:p>
+          <a:p>
+            <a:pPr indent="-317500" lvl="1" marL="914400" rtl="0" algn="l">
+              <a:spcBef>
+                <a:spcPts val="0"/>
+              </a:spcBef>
+              <a:spcAft>
+                <a:spcPts val="0"/>
+              </a:spcAft>
+              <a:buClr>
+                <a:schemeClr val="lt2"/>
+              </a:buClr>
+              <a:buSzPts val="1400"/>
+              <a:buChar char="○"/>
+            </a:pPr>
+            <a:r>
+              <a:rPr lang="en" sz="1400">
+                <a:solidFill>
+                  <a:schemeClr val="lt2"/>
+                </a:solidFill>
+              </a:rPr>
+              <a:t>Photos</a:t>
+            </a:r>
+            <a:endParaRPr sz="1400">
+              <a:solidFill>
+                <a:schemeClr val="lt2"/>
+              </a:solidFill>
+            </a:endParaRPr>
+          </a:p>
+          <a:p>
+            <a:pPr indent="-317500" lvl="1" marL="914400" rtl="0" algn="l">
+              <a:spcBef>
+                <a:spcPts val="0"/>
+              </a:spcBef>
+              <a:spcAft>
+                <a:spcPts val="0"/>
+              </a:spcAft>
+              <a:buClr>
+                <a:schemeClr val="lt2"/>
+              </a:buClr>
+              <a:buSzPts val="1400"/>
+              <a:buChar char="○"/>
+            </a:pPr>
+            <a:r>
+              <a:rPr lang="en" sz="1400">
+                <a:solidFill>
+                  <a:schemeClr val="lt2"/>
+                </a:solidFill>
+              </a:rPr>
+              <a:t>Videos</a:t>
+            </a:r>
+            <a:endParaRPr sz="1400">
+              <a:solidFill>
+                <a:schemeClr val="lt2"/>
+              </a:solidFill>
+            </a:endParaRPr>
+          </a:p>
+          <a:p>
+            <a:pPr indent="-317500" lvl="1" marL="914400" rtl="0" algn="l">
+              <a:spcBef>
+                <a:spcPts val="0"/>
+              </a:spcBef>
+              <a:spcAft>
+                <a:spcPts val="0"/>
+              </a:spcAft>
+              <a:buClr>
+                <a:schemeClr val="lt2"/>
+              </a:buClr>
+              <a:buSzPts val="1400"/>
+              <a:buChar char="○"/>
+            </a:pPr>
+            <a:r>
+              <a:rPr lang="en" sz="1400">
+                <a:solidFill>
+                  <a:schemeClr val="lt2"/>
+                </a:solidFill>
+              </a:rPr>
+              <a:t>Trivia</a:t>
+            </a:r>
+            <a:endParaRPr sz="1400">
+              <a:solidFill>
+                <a:schemeClr val="lt2"/>
+              </a:solidFill>
+            </a:endParaRPr>
+          </a:p>
+          <a:p>
+            <a:pPr indent="0" lvl="0" marL="457200" rtl="0" algn="l">
+              <a:spcBef>
+                <a:spcPts val="1200"/>
+              </a:spcBef>
+              <a:spcAft>
+                <a:spcPts val="1200"/>
+              </a:spcAft>
+              <a:buNone/>
+            </a:pPr>
+            <a:r>
+              <a:rPr lang="en" sz="1400">
+                <a:solidFill>
+                  <a:schemeClr val="lt2"/>
+                </a:solidFill>
+              </a:rPr>
+              <a:t>such that the campus experience is memorable and educational.</a:t>
+            </a:r>
+            <a:endParaRPr sz="1400">
+              <a:solidFill>
+                <a:schemeClr val="lt2"/>
+              </a:solidFill>
+            </a:endParaRPr>
+          </a:p>
+        </p:txBody>
+      </p:sp>
+    </p:spTree>
+  </p:cSld>
+  <p:clrMapOvr>
+    <a:masterClrMapping/>
+  </p:clrMapOvr>
+</p:sld>
+</file>
+
+<file path=ppt/slides/slide4.xml><?xml version="1.0" encoding="utf-8"?>
+<p:sld xmlns:a="http://schemas.openxmlformats.org/drawingml/2006/main" xmlns:r="http://schemas.openxmlformats.org/officeDocument/2006/relationships" xmlns:mc="http://schemas.openxmlformats.org/markup-compatibility/2006" xmlns:mv="urn:schemas-microsoft-com:mac:vml" xmlns:p="http://schemas.openxmlformats.org/presentationml/2006/main" xmlns:c="http://schemas.openxmlformats.org/drawingml/2006/chart" xmlns:dgm="http://schemas.openxmlformats.org/drawingml/2006/diagram" xmlns:o="urn:schemas-microsoft-com:office:office" xmlns:v="urn:schemas-microsoft-com:vml" xmlns:pvml="urn:schemas-microsoft-com:office:powerpoint" xmlns:com="http://schemas.openxmlformats.org/drawingml/2006/compatibility" xmlns:p14="http://schemas.microsoft.com/office/powerpoint/2010/main" xmlns:p15="http://schemas.microsoft.com/office/powerpoint/2012/main" xmlns:ahyp="http://schemas.microsoft.com/office/drawing/2018/hyperlinkcolor">
+  <p:cSld>
+    <p:spTree>
+      <p:nvGrpSpPr>
+        <p:cNvPr id="84" name="Shape 84"/>
+        <p:cNvGrpSpPr/>
+        <p:nvPr/>
+      </p:nvGrpSpPr>
+      <p:grpSpPr>
+        <a:xfrm>
+          <a:off x="0" y="0"/>
+          <a:ext cx="0" cy="0"/>
+          <a:chOff x="0" y="0"/>
+          <a:chExt cx="0" cy="0"/>
+        </a:xfrm>
+      </p:grpSpPr>
+      <p:sp>
+        <p:nvSpPr>
+          <p:cNvPr id="85" name="Google Shape;85;p16"/>
+          <p:cNvSpPr txBox="1"/>
+          <p:nvPr>
+            <p:ph type="title"/>
+          </p:nvPr>
+        </p:nvSpPr>
+        <p:spPr>
+          <a:xfrm>
+            <a:off x="311300" y="500925"/>
+            <a:ext cx="3704400" cy="2049600"/>
+          </a:xfrm>
+          <a:prstGeom prst="rect">
+            <a:avLst/>
+          </a:prstGeom>
+        </p:spPr>
+        <p:txBody>
+          <a:bodyPr anchorCtr="0" anchor="t" bIns="91425" lIns="91425" spcFirstLastPara="1" rIns="91425" wrap="square" tIns="91425">
+            <a:normAutofit/>
+          </a:bodyPr>
+          <a:lstStyle/>
+          <a:p>
+            <a:pPr indent="0" lvl="0" marL="0" rtl="0" algn="l">
+              <a:spcBef>
+                <a:spcPts val="0"/>
+              </a:spcBef>
+              <a:spcAft>
+                <a:spcPts val="0"/>
+              </a:spcAft>
+              <a:buNone/>
+            </a:pPr>
+            <a:r>
+              <a:rPr lang="en"/>
+              <a:t>Motivation</a:t>
+            </a:r>
+            <a:endParaRPr/>
+          </a:p>
+        </p:txBody>
+      </p:sp>
+      <p:sp>
+        <p:nvSpPr>
+          <p:cNvPr id="86" name="Google Shape;86;p16"/>
+          <p:cNvSpPr txBox="1"/>
+          <p:nvPr>
+            <p:ph idx="1" type="subTitle"/>
+          </p:nvPr>
+        </p:nvSpPr>
+        <p:spPr>
+          <a:xfrm>
+            <a:off x="4992500" y="432900"/>
+            <a:ext cx="3704400" cy="468900"/>
+          </a:xfrm>
+          <a:prstGeom prst="rect">
+            <a:avLst/>
+          </a:prstGeom>
+        </p:spPr>
+        <p:txBody>
+          <a:bodyPr anchorCtr="0" anchor="t" bIns="91425" lIns="91425" spcFirstLastPara="1" rIns="91425" wrap="square" tIns="91425">
+            <a:normAutofit/>
+          </a:bodyPr>
+          <a:lstStyle/>
+          <a:p>
+            <a:pPr indent="0" lvl="0" marL="0" rtl="0" algn="l">
+              <a:spcBef>
+                <a:spcPts val="0"/>
+              </a:spcBef>
+              <a:spcAft>
+                <a:spcPts val="0"/>
+              </a:spcAft>
+              <a:buNone/>
+            </a:pPr>
+            <a:r>
+              <a:rPr lang="en"/>
+              <a:t>Campus Tours today are:</a:t>
+            </a:r>
+            <a:endParaRPr/>
+          </a:p>
+        </p:txBody>
+      </p:sp>
+      <p:graphicFrame>
+        <p:nvGraphicFramePr>
+          <p:cNvPr id="87" name="Google Shape;87;p16"/>
+          <p:cNvGraphicFramePr/>
+          <p:nvPr/>
+        </p:nvGraphicFramePr>
+        <p:xfrm>
+          <a:off x="4778100" y="901800"/>
+          <a:ext cx="3000000" cy="3000000"/>
+        </p:xfrm>
+        <a:graphic>
+          <a:graphicData uri="http://schemas.openxmlformats.org/drawingml/2006/table">
+            <a:tbl>
+              <a:tblPr>
+                <a:noFill/>
+                <a:tableStyleId>{853F02EA-AA07-43F6-8CDB-380C4728780D}</a:tableStyleId>
+              </a:tblPr>
+              <a:tblGrid>
+                <a:gridCol w="2066600"/>
+                <a:gridCol w="2066600"/>
+              </a:tblGrid>
+              <a:tr h="392000">
+                <a:tc>
+                  <a:txBody>
+                    <a:bodyPr/>
+                    <a:lstStyle/>
+                    <a:p>
+                      <a:pPr indent="0" lvl="0" marL="0" rtl="0" algn="ctr">
+                        <a:spcBef>
+                          <a:spcPts val="0"/>
+                        </a:spcBef>
+                        <a:spcAft>
+                          <a:spcPts val="0"/>
+                        </a:spcAft>
+                        <a:buNone/>
+                      </a:pPr>
+                      <a:r>
+                        <a:rPr lang="en"/>
+                        <a:t>Pros</a:t>
+                      </a:r>
+                      <a:endParaRPr/>
+                    </a:p>
+                  </a:txBody>
+                  <a:tcPr marT="91425" marB="91425" marR="91425" marL="91425"/>
+                </a:tc>
+                <a:tc>
+                  <a:txBody>
+                    <a:bodyPr/>
+                    <a:lstStyle/>
+                    <a:p>
+                      <a:pPr indent="0" lvl="0" marL="0" rtl="0" algn="ctr">
+                        <a:spcBef>
+                          <a:spcPts val="0"/>
+                        </a:spcBef>
+                        <a:spcAft>
+                          <a:spcPts val="0"/>
+                        </a:spcAft>
+                        <a:buNone/>
+                      </a:pPr>
+                      <a:r>
+                        <a:rPr lang="en"/>
+                        <a:t>Cons</a:t>
+                      </a:r>
+                      <a:endParaRPr/>
+                    </a:p>
+                  </a:txBody>
+                  <a:tcPr marT="91425" marB="91425" marR="91425" marL="91425"/>
+                </a:tc>
+              </a:tr>
+              <a:tr h="3678500">
+                <a:tc>
+                  <a:txBody>
+                    <a:bodyPr/>
+                    <a:lstStyle/>
+                    <a:p>
+                      <a:pPr indent="-317500" lvl="0" marL="342900" rtl="0" algn="l">
+                        <a:spcBef>
+                          <a:spcPts val="0"/>
+                        </a:spcBef>
+                        <a:spcAft>
+                          <a:spcPts val="0"/>
+                        </a:spcAft>
+                        <a:buSzPts val="1400"/>
+                        <a:buChar char="➔"/>
+                      </a:pPr>
+                      <a:r>
+                        <a:rPr lang="en"/>
+                        <a:t>Led by students</a:t>
+                      </a:r>
+                      <a:endParaRPr/>
+                    </a:p>
+                    <a:p>
+                      <a:pPr indent="-317500" lvl="0" marL="342900" rtl="0" algn="l">
+                        <a:spcBef>
+                          <a:spcPts val="0"/>
+                        </a:spcBef>
+                        <a:spcAft>
+                          <a:spcPts val="0"/>
+                        </a:spcAft>
+                        <a:buSzPts val="1400"/>
+                        <a:buChar char="➔"/>
+                      </a:pPr>
+                      <a:r>
+                        <a:rPr lang="en"/>
+                        <a:t>Visit popular landmarks</a:t>
+                      </a:r>
+                      <a:endParaRPr/>
+                    </a:p>
+                    <a:p>
+                      <a:pPr indent="-317500" lvl="0" marL="342900" rtl="0" algn="l">
+                        <a:spcBef>
+                          <a:spcPts val="0"/>
+                        </a:spcBef>
+                        <a:spcAft>
+                          <a:spcPts val="0"/>
+                        </a:spcAft>
+                        <a:buSzPts val="1400"/>
+                        <a:buChar char="➔"/>
+                      </a:pPr>
+                      <a:r>
+                        <a:rPr lang="en"/>
+                        <a:t>Explain area purposes</a:t>
+                      </a:r>
+                      <a:endParaRPr/>
+                    </a:p>
+                    <a:p>
+                      <a:pPr indent="-317500" lvl="0" marL="342900" rtl="0" algn="l">
+                        <a:spcBef>
+                          <a:spcPts val="0"/>
+                        </a:spcBef>
+                        <a:spcAft>
+                          <a:spcPts val="0"/>
+                        </a:spcAft>
+                        <a:buSzPts val="1400"/>
+                        <a:buChar char="➔"/>
+                      </a:pPr>
+                      <a:r>
+                        <a:rPr lang="en"/>
+                        <a:t>Can ask questions</a:t>
+                      </a:r>
+                      <a:endParaRPr/>
+                    </a:p>
+                  </a:txBody>
+                  <a:tcPr marT="91425" marB="91425" marR="91425" marL="91425"/>
+                </a:tc>
+                <a:tc>
+                  <a:txBody>
+                    <a:bodyPr/>
+                    <a:lstStyle/>
+                    <a:p>
+                      <a:pPr indent="-317500" lvl="0" marL="342900" rtl="0" algn="l">
+                        <a:spcBef>
+                          <a:spcPts val="0"/>
+                        </a:spcBef>
+                        <a:spcAft>
+                          <a:spcPts val="0"/>
+                        </a:spcAft>
+                        <a:buSzPts val="1400"/>
+                        <a:buChar char="➔"/>
+                      </a:pPr>
+                      <a:r>
+                        <a:rPr lang="en"/>
+                        <a:t>Have a set pace</a:t>
+                      </a:r>
+                      <a:endParaRPr/>
+                    </a:p>
+                    <a:p>
+                      <a:pPr indent="-317500" lvl="0" marL="342900" rtl="0" algn="l">
+                        <a:spcBef>
+                          <a:spcPts val="0"/>
+                        </a:spcBef>
+                        <a:spcAft>
+                          <a:spcPts val="0"/>
+                        </a:spcAft>
+                        <a:buSzPts val="1400"/>
+                        <a:buChar char="➔"/>
+                      </a:pPr>
+                      <a:r>
+                        <a:rPr lang="en"/>
+                        <a:t>Limit exploration</a:t>
+                      </a:r>
+                      <a:endParaRPr/>
+                    </a:p>
+                    <a:p>
+                      <a:pPr indent="-317500" lvl="0" marL="342900" rtl="0" algn="l">
+                        <a:spcBef>
+                          <a:spcPts val="0"/>
+                        </a:spcBef>
+                        <a:spcAft>
+                          <a:spcPts val="0"/>
+                        </a:spcAft>
+                        <a:buSzPts val="1400"/>
+                        <a:buChar char="➔"/>
+                      </a:pPr>
+                      <a:r>
+                        <a:rPr lang="en"/>
+                        <a:t>Are detached from campus life</a:t>
+                      </a:r>
+                      <a:endParaRPr/>
+                    </a:p>
+                    <a:p>
+                      <a:pPr indent="-317500" lvl="0" marL="342900" rtl="0" algn="l">
+                        <a:spcBef>
+                          <a:spcPts val="0"/>
+                        </a:spcBef>
+                        <a:spcAft>
+                          <a:spcPts val="0"/>
+                        </a:spcAft>
+                        <a:buSzPts val="1400"/>
+                        <a:buChar char="➔"/>
+                      </a:pPr>
+                      <a:r>
+                        <a:rPr lang="en"/>
+                        <a:t>Lack impact</a:t>
+                      </a:r>
+                      <a:endParaRPr/>
+                    </a:p>
+                    <a:p>
+                      <a:pPr indent="-317500" lvl="0" marL="342900" rtl="0" algn="l">
+                        <a:spcBef>
+                          <a:spcPts val="0"/>
+                        </a:spcBef>
+                        <a:spcAft>
+                          <a:spcPts val="0"/>
+                        </a:spcAft>
+                        <a:buSzPts val="1400"/>
+                        <a:buChar char="➔"/>
+                      </a:pPr>
+                      <a:r>
+                        <a:rPr lang="en"/>
+                        <a:t>Formulaic, follow one path</a:t>
+                      </a:r>
+                      <a:endParaRPr/>
+                    </a:p>
+                    <a:p>
+                      <a:pPr indent="-317500" lvl="0" marL="342900" rtl="0" algn="l">
+                        <a:spcBef>
+                          <a:spcPts val="0"/>
+                        </a:spcBef>
+                        <a:spcAft>
+                          <a:spcPts val="0"/>
+                        </a:spcAft>
+                        <a:buSzPts val="1400"/>
+                        <a:buChar char="➔"/>
+                      </a:pPr>
+                      <a:r>
+                        <a:rPr lang="en"/>
+                        <a:t>Information is not always accurate</a:t>
+                      </a:r>
+                      <a:endParaRPr/>
+                    </a:p>
+                  </a:txBody>
+                  <a:tcPr marT="91425" marB="91425" marR="91425" marL="91425"/>
+                </a:tc>
+              </a:tr>
+            </a:tbl>
+          </a:graphicData>
+        </a:graphic>
+      </p:graphicFrame>
+    </p:spTree>
+  </p:cSld>
+  <p:clrMapOvr>
+    <a:masterClrMapping/>
+  </p:clrMapOvr>
+</p:sld>
+</file>
+
+<file path=ppt/slides/slide5.xml><?xml version="1.0" encoding="utf-8"?>
+<p:sld xmlns:a="http://schemas.openxmlformats.org/drawingml/2006/main" xmlns:r="http://schemas.openxmlformats.org/officeDocument/2006/relationships" xmlns:mc="http://schemas.openxmlformats.org/markup-compatibility/2006" xmlns:mv="urn:schemas-microsoft-com:mac:vml" xmlns:p="http://schemas.openxmlformats.org/presentationml/2006/main" xmlns:c="http://schemas.openxmlformats.org/drawingml/2006/chart" xmlns:dgm="http://schemas.openxmlformats.org/drawingml/2006/diagram" xmlns:o="urn:schemas-microsoft-com:office:office" xmlns:v="urn:schemas-microsoft-com:vml" xmlns:pvml="urn:schemas-microsoft-com:office:powerpoint" xmlns:com="http://schemas.openxmlformats.org/drawingml/2006/compatibility" xmlns:p14="http://schemas.microsoft.com/office/powerpoint/2010/main" xmlns:p15="http://schemas.microsoft.com/office/powerpoint/2012/main" xmlns:ahyp="http://schemas.microsoft.com/office/drawing/2018/hyperlinkcolor">
+  <p:cSld>
+    <p:spTree>
+      <p:nvGrpSpPr>
+        <p:cNvPr id="91" name="Shape 91"/>
+        <p:cNvGrpSpPr/>
+        <p:nvPr/>
+      </p:nvGrpSpPr>
+      <p:grpSpPr>
+        <a:xfrm>
+          <a:off x="0" y="0"/>
+          <a:ext cx="0" cy="0"/>
+          <a:chOff x="0" y="0"/>
+          <a:chExt cx="0" cy="0"/>
+        </a:xfrm>
+      </p:grpSpPr>
+      <p:sp>
+        <p:nvSpPr>
+          <p:cNvPr id="92" name="Google Shape;92;p17"/>
+          <p:cNvSpPr txBox="1"/>
+          <p:nvPr>
+            <p:ph type="title"/>
+          </p:nvPr>
+        </p:nvSpPr>
+        <p:spPr>
+          <a:xfrm>
+            <a:off x="311725" y="500925"/>
+            <a:ext cx="3706500" cy="2508900"/>
+          </a:xfrm>
+          <a:prstGeom prst="rect">
+            <a:avLst/>
+          </a:prstGeom>
+        </p:spPr>
+        <p:txBody>
+          <a:bodyPr anchorCtr="0" anchor="t" bIns="91425" lIns="91425" spcFirstLastPara="1" rIns="91425" wrap="square" tIns="91425">
+            <a:normAutofit/>
+          </a:bodyPr>
+          <a:lstStyle/>
+          <a:p>
+            <a:pPr indent="0" lvl="0" marL="0" rtl="0" algn="l">
+              <a:spcBef>
+                <a:spcPts val="0"/>
+              </a:spcBef>
+              <a:spcAft>
+                <a:spcPts val="0"/>
+              </a:spcAft>
+              <a:buNone/>
+            </a:pPr>
+            <a:r>
+              <a:rPr lang="en"/>
+              <a:t>Primary Features</a:t>
+            </a:r>
+            <a:endParaRPr/>
+          </a:p>
+        </p:txBody>
+      </p:sp>
+      <p:sp>
+        <p:nvSpPr>
+          <p:cNvPr id="93" name="Google Shape;93;p17"/>
+          <p:cNvSpPr txBox="1"/>
+          <p:nvPr>
+            <p:ph idx="1" type="body"/>
+          </p:nvPr>
+        </p:nvSpPr>
+        <p:spPr>
+          <a:xfrm>
+            <a:off x="4644675" y="500925"/>
+            <a:ext cx="4166400" cy="4098600"/>
+          </a:xfrm>
+          <a:prstGeom prst="rect">
+            <a:avLst/>
+          </a:prstGeom>
+        </p:spPr>
+        <p:txBody>
+          <a:bodyPr anchorCtr="0" anchor="t" bIns="91425" lIns="91425" spcFirstLastPara="1" rIns="91425" wrap="square" tIns="91425">
+            <a:noAutofit/>
+          </a:bodyPr>
+          <a:lstStyle/>
+          <a:p>
+            <a:pPr indent="-317500" lvl="0" marL="457200" rtl="0" algn="l">
+              <a:spcBef>
+                <a:spcPts val="1200"/>
+              </a:spcBef>
+              <a:spcAft>
+                <a:spcPts val="0"/>
+              </a:spcAft>
+              <a:buSzPts val="1400"/>
+              <a:buChar char="●"/>
+            </a:pPr>
+            <a:r>
+              <a:rPr b="1" lang="en" sz="1200">
+                <a:solidFill>
+                  <a:srgbClr val="000000"/>
+                </a:solidFill>
+                <a:latin typeface="Arial"/>
+                <a:ea typeface="Arial"/>
+                <a:cs typeface="Arial"/>
+                <a:sym typeface="Arial"/>
+              </a:rPr>
+              <a:t>Feature #1</a:t>
+            </a:r>
+            <a:r>
+              <a:rPr lang="en" sz="1200">
+                <a:solidFill>
+                  <a:srgbClr val="000000"/>
+                </a:solidFill>
+                <a:latin typeface="Arial"/>
+                <a:ea typeface="Arial"/>
+                <a:cs typeface="Arial"/>
+                <a:sym typeface="Arial"/>
+              </a:rPr>
+              <a:t>: Explore the beautiful campus of Florida Tech at your own pace with our guided walking tours, housed completely within the app! Navigate to your desired point of interest with ease as the GPS shows which paths to take in real-time! Take the scenic route with the “Sightseeing” option, or arrive in no time with the “Fast Travel” option.</a:t>
+            </a:r>
+            <a:endParaRPr sz="1200">
+              <a:solidFill>
+                <a:srgbClr val="000000"/>
+              </a:solidFill>
+              <a:latin typeface="Arial"/>
+              <a:ea typeface="Arial"/>
+              <a:cs typeface="Arial"/>
+              <a:sym typeface="Arial"/>
+            </a:endParaRPr>
+          </a:p>
+          <a:p>
+            <a:pPr indent="-304800" lvl="0" marL="457200" rtl="0" algn="l">
+              <a:spcBef>
+                <a:spcPts val="0"/>
+              </a:spcBef>
+              <a:spcAft>
+                <a:spcPts val="0"/>
+              </a:spcAft>
+              <a:buClr>
+                <a:srgbClr val="000000"/>
+              </a:buClr>
+              <a:buSzPts val="1200"/>
+              <a:buFont typeface="Arial"/>
+              <a:buChar char="●"/>
+            </a:pPr>
+            <a:r>
+              <a:rPr b="1" lang="en" sz="1200">
+                <a:solidFill>
+                  <a:srgbClr val="000000"/>
+                </a:solidFill>
+                <a:latin typeface="Arial"/>
+                <a:ea typeface="Arial"/>
+                <a:cs typeface="Arial"/>
+                <a:sym typeface="Arial"/>
+              </a:rPr>
+              <a:t>Feature #2</a:t>
+            </a:r>
+            <a:r>
+              <a:rPr lang="en" sz="1200">
+                <a:solidFill>
+                  <a:srgbClr val="000000"/>
+                </a:solidFill>
+                <a:latin typeface="Arial"/>
+                <a:ea typeface="Arial"/>
+                <a:cs typeface="Arial"/>
+                <a:sym typeface="Arial"/>
+              </a:rPr>
+              <a:t>: Virtual Tours: Discover the landmarks and history of Florida Tech without setting foot on campus! Select locations on the map to see an image/video with narration about each place!</a:t>
+            </a:r>
+            <a:endParaRPr sz="1200">
+              <a:solidFill>
+                <a:srgbClr val="000000"/>
+              </a:solidFill>
+              <a:latin typeface="Arial"/>
+              <a:ea typeface="Arial"/>
+              <a:cs typeface="Arial"/>
+              <a:sym typeface="Arial"/>
+            </a:endParaRPr>
+          </a:p>
+          <a:p>
+            <a:pPr indent="-304800" lvl="0" marL="457200" rtl="0" algn="l">
+              <a:spcBef>
+                <a:spcPts val="0"/>
+              </a:spcBef>
+              <a:spcAft>
+                <a:spcPts val="0"/>
+              </a:spcAft>
+              <a:buClr>
+                <a:srgbClr val="000000"/>
+              </a:buClr>
+              <a:buSzPts val="1200"/>
+              <a:buFont typeface="Arial"/>
+              <a:buChar char="●"/>
+            </a:pPr>
+            <a:r>
+              <a:rPr b="1" lang="en" sz="1200">
+                <a:solidFill>
+                  <a:srgbClr val="000000"/>
+                </a:solidFill>
+                <a:latin typeface="Arial"/>
+                <a:ea typeface="Arial"/>
+                <a:cs typeface="Arial"/>
+                <a:sym typeface="Arial"/>
+              </a:rPr>
+              <a:t>Feature #3</a:t>
+            </a:r>
+            <a:r>
+              <a:rPr lang="en" sz="1200">
+                <a:solidFill>
+                  <a:srgbClr val="000000"/>
+                </a:solidFill>
+                <a:latin typeface="Arial"/>
+                <a:ea typeface="Arial"/>
+                <a:cs typeface="Arial"/>
+                <a:sym typeface="Arial"/>
+              </a:rPr>
+              <a:t>: Compete in trivia games as you walk around campus to win prizes. Bridge the gap between education and fun with our Jeopardy style trivia during your tour and rack up points while you learn about each landmark! Make your own path as you search for points of interest in a scavenger hunt! Deepen your connection with campus as you play games on the tour.</a:t>
+            </a:r>
+            <a:endParaRPr sz="1200">
+              <a:solidFill>
+                <a:srgbClr val="000000"/>
+              </a:solidFill>
+              <a:latin typeface="Arial"/>
+              <a:ea typeface="Arial"/>
+              <a:cs typeface="Arial"/>
+              <a:sym typeface="Arial"/>
+            </a:endParaRPr>
+          </a:p>
+          <a:p>
+            <a:pPr indent="-304800" lvl="0" marL="457200" rtl="0" algn="l">
+              <a:spcBef>
+                <a:spcPts val="0"/>
+              </a:spcBef>
+              <a:spcAft>
+                <a:spcPts val="0"/>
+              </a:spcAft>
+              <a:buClr>
+                <a:srgbClr val="000000"/>
+              </a:buClr>
+              <a:buSzPts val="1200"/>
+              <a:buFont typeface="Arial"/>
+              <a:buChar char="●"/>
+            </a:pPr>
+            <a:r>
+              <a:t/>
+            </a:r>
+            <a:endParaRPr sz="1200">
+              <a:solidFill>
+                <a:srgbClr val="000000"/>
+              </a:solidFill>
+              <a:latin typeface="Arial"/>
+              <a:ea typeface="Arial"/>
+              <a:cs typeface="Arial"/>
+              <a:sym typeface="Arial"/>
+            </a:endParaRPr>
+          </a:p>
+        </p:txBody>
+      </p:sp>
+    </p:spTree>
+  </p:cSld>
+  <p:clrMapOvr>
+    <a:masterClrMapping/>
+  </p:clrMapOvr>
+</p:sld>
+</file>
+
+<file path=ppt/slides/slide6.xml><?xml version="1.0" encoding="utf-8"?>
+<p:sld xmlns:a="http://schemas.openxmlformats.org/drawingml/2006/main" xmlns:r="http://schemas.openxmlformats.org/officeDocument/2006/relationships" xmlns:mc="http://schemas.openxmlformats.org/markup-compatibility/2006" xmlns:mv="urn:schemas-microsoft-com:mac:vml" xmlns:p="http://schemas.openxmlformats.org/presentationml/2006/main" xmlns:c="http://schemas.openxmlformats.org/drawingml/2006/chart" xmlns:dgm="http://schemas.openxmlformats.org/drawingml/2006/diagram" xmlns:o="urn:schemas-microsoft-com:office:office" xmlns:v="urn:schemas-microsoft-com:vml" xmlns:pvml="urn:schemas-microsoft-com:office:powerpoint" xmlns:com="http://schemas.openxmlformats.org/drawingml/2006/compatibility" xmlns:p14="http://schemas.microsoft.com/office/powerpoint/2010/main" xmlns:p15="http://schemas.microsoft.com/office/powerpoint/2012/main" xmlns:ahyp="http://schemas.microsoft.com/office/drawing/2018/hyperlinkcolor">
+  <p:cSld>
+    <p:spTree>
+      <p:nvGrpSpPr>
+        <p:cNvPr id="97" name="Shape 97"/>
+        <p:cNvGrpSpPr/>
+        <p:nvPr/>
+      </p:nvGrpSpPr>
+      <p:grpSpPr>
+        <a:xfrm>
+          <a:off x="0" y="0"/>
+          <a:ext cx="0" cy="0"/>
+          <a:chOff x="0" y="0"/>
+          <a:chExt cx="0" cy="0"/>
+        </a:xfrm>
+      </p:grpSpPr>
+      <p:sp>
+        <p:nvSpPr>
+          <p:cNvPr id="98" name="Google Shape;98;p18"/>
+          <p:cNvSpPr txBox="1"/>
+          <p:nvPr>
+            <p:ph type="title"/>
+          </p:nvPr>
+        </p:nvSpPr>
+        <p:spPr>
+          <a:xfrm>
+            <a:off x="311725" y="500925"/>
+            <a:ext cx="3706500" cy="2508900"/>
+          </a:xfrm>
+          <a:prstGeom prst="rect">
+            <a:avLst/>
+          </a:prstGeom>
+        </p:spPr>
+        <p:txBody>
+          <a:bodyPr anchorCtr="0" anchor="t" bIns="91425" lIns="91425" spcFirstLastPara="1" rIns="91425" wrap="square" tIns="91425">
+            <a:normAutofit/>
+          </a:bodyPr>
+          <a:lstStyle/>
+          <a:p>
+            <a:pPr indent="0" lvl="0" marL="0" rtl="0" algn="l">
+              <a:spcBef>
+                <a:spcPts val="0"/>
+              </a:spcBef>
+              <a:spcAft>
+                <a:spcPts val="0"/>
+              </a:spcAft>
+              <a:buNone/>
+            </a:pPr>
+            <a:r>
+              <a:rPr lang="en"/>
+              <a:t>Technical Challenges</a:t>
+            </a:r>
+            <a:endParaRPr/>
+          </a:p>
+        </p:txBody>
+      </p:sp>
+      <p:sp>
+        <p:nvSpPr>
+          <p:cNvPr id="99" name="Google Shape;99;p18"/>
+          <p:cNvSpPr txBox="1"/>
+          <p:nvPr>
+            <p:ph idx="1" type="body"/>
+          </p:nvPr>
+        </p:nvSpPr>
+        <p:spPr>
+          <a:xfrm>
+            <a:off x="4644675" y="500925"/>
+            <a:ext cx="4166400" cy="4098600"/>
+          </a:xfrm>
+          <a:prstGeom prst="rect">
+            <a:avLst/>
+          </a:prstGeom>
+        </p:spPr>
+        <p:txBody>
+          <a:bodyPr anchorCtr="0" anchor="t" bIns="91425" lIns="91425" spcFirstLastPara="1" rIns="91425" wrap="square" tIns="91425">
+            <a:normAutofit lnSpcReduction="20000"/>
+          </a:bodyPr>
+          <a:lstStyle/>
+          <a:p>
+            <a:pPr indent="-368300" lvl="0" marL="457200" rtl="0" algn="l">
+              <a:spcBef>
+                <a:spcPts val="1200"/>
+              </a:spcBef>
+              <a:spcAft>
+                <a:spcPts val="0"/>
+              </a:spcAft>
+              <a:buClr>
+                <a:schemeClr val="lt2"/>
+              </a:buClr>
+              <a:buSzPts val="2200"/>
+              <a:buChar char="●"/>
+            </a:pPr>
+            <a:r>
+              <a:rPr b="1" lang="en" sz="2000">
+                <a:solidFill>
+                  <a:schemeClr val="lt2"/>
+                </a:solidFill>
+                <a:latin typeface="Arial"/>
+                <a:ea typeface="Arial"/>
+                <a:cs typeface="Arial"/>
+                <a:sym typeface="Arial"/>
+              </a:rPr>
+              <a:t>Challenge #1</a:t>
+            </a:r>
+            <a:r>
+              <a:rPr lang="en" sz="2000">
+                <a:solidFill>
+                  <a:schemeClr val="lt2"/>
+                </a:solidFill>
+                <a:latin typeface="Arial"/>
+                <a:ea typeface="Arial"/>
+                <a:cs typeface="Arial"/>
+                <a:sym typeface="Arial"/>
+              </a:rPr>
+              <a:t>: Mobile App development/deployment</a:t>
+            </a:r>
+            <a:endParaRPr sz="2000">
+              <a:solidFill>
+                <a:schemeClr val="lt2"/>
+              </a:solidFill>
+              <a:latin typeface="Arial"/>
+              <a:ea typeface="Arial"/>
+              <a:cs typeface="Arial"/>
+              <a:sym typeface="Arial"/>
+            </a:endParaRPr>
+          </a:p>
+          <a:p>
+            <a:pPr indent="-368300" lvl="0" marL="457200" rtl="0" algn="l">
+              <a:spcBef>
+                <a:spcPts val="0"/>
+              </a:spcBef>
+              <a:spcAft>
+                <a:spcPts val="0"/>
+              </a:spcAft>
+              <a:buClr>
+                <a:schemeClr val="lt2"/>
+              </a:buClr>
+              <a:buSzPts val="2200"/>
+              <a:buChar char="●"/>
+            </a:pPr>
+            <a:r>
+              <a:rPr b="1" lang="en" sz="2000">
+                <a:solidFill>
+                  <a:schemeClr val="lt2"/>
+                </a:solidFill>
+                <a:latin typeface="Arial"/>
+                <a:ea typeface="Arial"/>
+                <a:cs typeface="Arial"/>
+                <a:sym typeface="Arial"/>
+              </a:rPr>
+              <a:t>Challenge #2</a:t>
+            </a:r>
+            <a:r>
+              <a:rPr lang="en" sz="2000">
+                <a:solidFill>
+                  <a:schemeClr val="lt2"/>
+                </a:solidFill>
+                <a:latin typeface="Arial"/>
+                <a:ea typeface="Arial"/>
+                <a:cs typeface="Arial"/>
+                <a:sym typeface="Arial"/>
+              </a:rPr>
+              <a:t>: Learn JavaScript/Choose Framework</a:t>
+            </a:r>
+            <a:endParaRPr sz="2000">
+              <a:solidFill>
+                <a:schemeClr val="lt2"/>
+              </a:solidFill>
+              <a:latin typeface="Arial"/>
+              <a:ea typeface="Arial"/>
+              <a:cs typeface="Arial"/>
+              <a:sym typeface="Arial"/>
+            </a:endParaRPr>
+          </a:p>
+          <a:p>
+            <a:pPr indent="-368300" lvl="0" marL="457200" rtl="0" algn="l">
+              <a:spcBef>
+                <a:spcPts val="0"/>
+              </a:spcBef>
+              <a:spcAft>
+                <a:spcPts val="0"/>
+              </a:spcAft>
+              <a:buClr>
+                <a:schemeClr val="lt2"/>
+              </a:buClr>
+              <a:buSzPts val="2200"/>
+              <a:buChar char="●"/>
+            </a:pPr>
+            <a:r>
+              <a:rPr b="1" lang="en" sz="2000">
+                <a:solidFill>
+                  <a:schemeClr val="lt2"/>
+                </a:solidFill>
+                <a:latin typeface="Arial"/>
+                <a:ea typeface="Arial"/>
+                <a:cs typeface="Arial"/>
+                <a:sym typeface="Arial"/>
+              </a:rPr>
+              <a:t>Challenge #3</a:t>
+            </a:r>
+            <a:r>
+              <a:rPr lang="en" sz="2000">
+                <a:solidFill>
+                  <a:schemeClr val="lt2"/>
+                </a:solidFill>
+                <a:latin typeface="Arial"/>
+                <a:ea typeface="Arial"/>
+                <a:cs typeface="Arial"/>
+                <a:sym typeface="Arial"/>
+              </a:rPr>
+              <a:t>: Applying the Software Development paradigms taught in previous semesters to one large project.</a:t>
+            </a:r>
+            <a:endParaRPr sz="2000">
+              <a:solidFill>
+                <a:schemeClr val="lt2"/>
+              </a:solidFill>
+              <a:latin typeface="Arial"/>
+              <a:ea typeface="Arial"/>
+              <a:cs typeface="Arial"/>
+              <a:sym typeface="Arial"/>
+            </a:endParaRPr>
+          </a:p>
+          <a:p>
+            <a:pPr indent="-355600" lvl="0" marL="457200" rtl="0" algn="l">
+              <a:spcBef>
+                <a:spcPts val="0"/>
+              </a:spcBef>
+              <a:spcAft>
+                <a:spcPts val="0"/>
+              </a:spcAft>
+              <a:buClr>
+                <a:schemeClr val="lt2"/>
+              </a:buClr>
+              <a:buSzPts val="2000"/>
+              <a:buFont typeface="Arial"/>
+              <a:buChar char="●"/>
+            </a:pPr>
+            <a:r>
+              <a:rPr b="1" lang="en" sz="2000">
+                <a:solidFill>
+                  <a:schemeClr val="lt2"/>
+                </a:solidFill>
+                <a:latin typeface="Arial"/>
+                <a:ea typeface="Arial"/>
+                <a:cs typeface="Arial"/>
+                <a:sym typeface="Arial"/>
+              </a:rPr>
+              <a:t>Challenge #4</a:t>
+            </a:r>
+            <a:r>
+              <a:rPr lang="en" sz="2000">
+                <a:solidFill>
+                  <a:schemeClr val="lt2"/>
+                </a:solidFill>
+                <a:latin typeface="Arial"/>
+                <a:ea typeface="Arial"/>
+                <a:cs typeface="Arial"/>
+                <a:sym typeface="Arial"/>
+              </a:rPr>
+              <a:t>: Dynamic UI/UX Development (ReactJS)</a:t>
+            </a:r>
+            <a:endParaRPr sz="2000">
+              <a:solidFill>
+                <a:schemeClr val="lt2"/>
+              </a:solidFill>
+              <a:latin typeface="Arial"/>
+              <a:ea typeface="Arial"/>
+              <a:cs typeface="Arial"/>
+              <a:sym typeface="Arial"/>
+            </a:endParaRPr>
+          </a:p>
+          <a:p>
+            <a:pPr indent="-355600" lvl="0" marL="457200" rtl="0" algn="l">
+              <a:spcBef>
+                <a:spcPts val="0"/>
+              </a:spcBef>
+              <a:spcAft>
+                <a:spcPts val="0"/>
+              </a:spcAft>
+              <a:buClr>
+                <a:schemeClr val="lt2"/>
+              </a:buClr>
+              <a:buSzPts val="2000"/>
+              <a:buFont typeface="Arial"/>
+              <a:buChar char="●"/>
+            </a:pPr>
+            <a:r>
+              <a:rPr b="1" lang="en" sz="2000">
+                <a:solidFill>
+                  <a:schemeClr val="lt2"/>
+                </a:solidFill>
+                <a:latin typeface="Arial"/>
+                <a:ea typeface="Arial"/>
+                <a:cs typeface="Arial"/>
+                <a:sym typeface="Arial"/>
+              </a:rPr>
+              <a:t>Challenge #5</a:t>
+            </a:r>
+            <a:r>
+              <a:rPr lang="en" sz="2000">
+                <a:solidFill>
+                  <a:schemeClr val="lt2"/>
+                </a:solidFill>
+                <a:latin typeface="Arial"/>
+                <a:ea typeface="Arial"/>
+                <a:cs typeface="Arial"/>
+                <a:sym typeface="Arial"/>
+              </a:rPr>
+              <a:t>: Content Management Systems Implementation</a:t>
+            </a:r>
+            <a:endParaRPr sz="2000">
+              <a:solidFill>
+                <a:schemeClr val="lt2"/>
+              </a:solidFill>
+              <a:latin typeface="Arial"/>
+              <a:ea typeface="Arial"/>
+              <a:cs typeface="Arial"/>
+              <a:sym typeface="Arial"/>
+            </a:endParaRPr>
+          </a:p>
+        </p:txBody>
+      </p:sp>
+    </p:spTree>
+  </p:cSld>
+  <p:clrMapOvr>
+    <a:masterClrMapping/>
+  </p:clrMapOvr>
+</p:sld>
+</file>
+
+<file path=ppt/slides/slide7.xml><?xml version="1.0" encoding="utf-8"?>
+<p:sld xmlns:a="http://schemas.openxmlformats.org/drawingml/2006/main" xmlns:r="http://schemas.openxmlformats.org/officeDocument/2006/relationships" xmlns:mc="http://schemas.openxmlformats.org/markup-compatibility/2006" xmlns:mv="urn:schemas-microsoft-com:mac:vml" xmlns:p="http://schemas.openxmlformats.org/presentationml/2006/main" xmlns:c="http://schemas.openxmlformats.org/drawingml/2006/chart" xmlns:dgm="http://schemas.openxmlformats.org/drawingml/2006/diagram" xmlns:o="urn:schemas-microsoft-com:office:office" xmlns:v="urn:schemas-microsoft-com:vml" xmlns:pvml="urn:schemas-microsoft-com:office:powerpoint" xmlns:com="http://schemas.openxmlformats.org/drawingml/2006/compatibility" xmlns:p14="http://schemas.microsoft.com/office/powerpoint/2010/main" xmlns:p15="http://schemas.microsoft.com/office/powerpoint/2012/main" xmlns:ahyp="http://schemas.microsoft.com/office/drawing/2018/hyperlinkcolor">
+  <p:cSld>
+    <p:spTree>
+      <p:nvGrpSpPr>
+        <p:cNvPr id="103" name="Shape 103"/>
+        <p:cNvGrpSpPr/>
+        <p:nvPr/>
+      </p:nvGrpSpPr>
+      <p:grpSpPr>
+        <a:xfrm>
+          <a:off x="0" y="0"/>
+          <a:ext cx="0" cy="0"/>
+          <a:chOff x="0" y="0"/>
+          <a:chExt cx="0" cy="0"/>
+        </a:xfrm>
+      </p:grpSpPr>
+      <p:sp>
+        <p:nvSpPr>
+          <p:cNvPr id="104" name="Google Shape;104;p19"/>
+          <p:cNvSpPr txBox="1"/>
+          <p:nvPr>
+            <p:ph type="title"/>
+          </p:nvPr>
+        </p:nvSpPr>
+        <p:spPr>
+          <a:xfrm>
+            <a:off x="311725" y="500925"/>
+            <a:ext cx="3706500" cy="2508900"/>
+          </a:xfrm>
+          <a:prstGeom prst="rect">
+            <a:avLst/>
+          </a:prstGeom>
+        </p:spPr>
+        <p:txBody>
+          <a:bodyPr anchorCtr="0" anchor="t" bIns="91425" lIns="91425" spcFirstLastPara="1" rIns="91425" wrap="square" tIns="91425">
+            <a:normAutofit/>
+          </a:bodyPr>
+          <a:lstStyle/>
+          <a:p>
+            <a:pPr indent="0" lvl="0" marL="0" rtl="0" algn="l">
+              <a:spcBef>
+                <a:spcPts val="0"/>
+              </a:spcBef>
+              <a:spcAft>
+                <a:spcPts val="0"/>
+              </a:spcAft>
+              <a:buNone/>
+            </a:pPr>
+            <a:r>
+              <a:rPr lang="en"/>
+              <a:t>Novel Ideas</a:t>
+            </a:r>
+            <a:endParaRPr/>
+          </a:p>
+        </p:txBody>
+      </p:sp>
+      <p:sp>
+        <p:nvSpPr>
+          <p:cNvPr id="105" name="Google Shape;105;p19"/>
+          <p:cNvSpPr txBox="1"/>
+          <p:nvPr>
+            <p:ph idx="1" type="body"/>
+          </p:nvPr>
+        </p:nvSpPr>
+        <p:spPr>
+          <a:xfrm>
+            <a:off x="4644675" y="500925"/>
+            <a:ext cx="4166400" cy="4098600"/>
+          </a:xfrm>
+          <a:prstGeom prst="rect">
+            <a:avLst/>
+          </a:prstGeom>
+        </p:spPr>
+        <p:txBody>
+          <a:bodyPr anchorCtr="0" anchor="t" bIns="91425" lIns="91425" spcFirstLastPara="1" rIns="91425" wrap="square" tIns="91425">
+            <a:normAutofit/>
+          </a:bodyPr>
+          <a:lstStyle/>
+          <a:p>
+            <a:pPr indent="0" lvl="0" marL="0" rtl="0" algn="l">
+              <a:spcBef>
+                <a:spcPts val="0"/>
+              </a:spcBef>
+              <a:spcAft>
+                <a:spcPts val="0"/>
+              </a:spcAft>
+              <a:buNone/>
+            </a:pPr>
+            <a:r>
+              <a:rPr lang="en"/>
+              <a:t>An active timeline that appears during a tour when a history “event” is triggered, visually scrolling backward from the current year to the date of the past event. Used as an indication that a mini-game or trivia section is about to begin. This is novel because we have never seen a dynamic timeline implemented in any app graphically to express to the user when an event happened, only static dates in the header/footer.</a:t>
+            </a:r>
+            <a:endParaRPr/>
+          </a:p>
+          <a:p>
+            <a:pPr indent="0" lvl="0" marL="0" rtl="0" algn="l">
+              <a:lnSpc>
+                <a:spcPct val="115000"/>
+              </a:lnSpc>
+              <a:spcBef>
+                <a:spcPts val="1200"/>
+              </a:spcBef>
+              <a:spcAft>
+                <a:spcPts val="1200"/>
+              </a:spcAft>
+              <a:buNone/>
+            </a:pPr>
+            <a:r>
+              <a:rPr lang="en">
+                <a:latin typeface="Arial"/>
+                <a:ea typeface="Arial"/>
+                <a:cs typeface="Arial"/>
+                <a:sym typeface="Arial"/>
+              </a:rPr>
+              <a:t>(Tentative) Augmented reality tags located throughout the campus and generate a visual model in 3D space when scanned during a guided tour within the app. This feature may occasionally be present in museum tours but has not been encountered during a college campus tour before.</a:t>
+            </a:r>
+            <a:endParaRPr>
+              <a:latin typeface="Arial"/>
+              <a:ea typeface="Arial"/>
+              <a:cs typeface="Arial"/>
+              <a:sym typeface="Arial"/>
+            </a:endParaRPr>
+          </a:p>
+        </p:txBody>
+      </p:sp>
+    </p:spTree>
+  </p:cSld>
+  <p:clrMapOvr>
+    <a:masterClrMapping/>
+  </p:clrMapOvr>
+</p:sld>
+</file>
+
+<file path=ppt/slides/slide8.xml><?xml version="1.0" encoding="utf-8"?>
+<p:sld xmlns:a="http://schemas.openxmlformats.org/drawingml/2006/main" xmlns:r="http://schemas.openxmlformats.org/officeDocument/2006/relationships" xmlns:mc="http://schemas.openxmlformats.org/markup-compatibility/2006" xmlns:mv="urn:schemas-microsoft-com:mac:vml" xmlns:p="http://schemas.openxmlformats.org/presentationml/2006/main" xmlns:c="http://schemas.openxmlformats.org/drawingml/2006/chart" xmlns:dgm="http://schemas.openxmlformats.org/drawingml/2006/diagram" xmlns:o="urn:schemas-microsoft-com:office:office" xmlns:v="urn:schemas-microsoft-com:vml" xmlns:pvml="urn:schemas-microsoft-com:office:powerpoint" xmlns:com="http://schemas.openxmlformats.org/drawingml/2006/compatibility" xmlns:p14="http://schemas.microsoft.com/office/powerpoint/2010/main" xmlns:p15="http://schemas.microsoft.com/office/powerpoint/2012/main" xmlns:ahyp="http://schemas.microsoft.com/office/drawing/2018/hyperlinkcolor">
+  <p:cSld>
+    <p:spTree>
+      <p:nvGrpSpPr>
+        <p:cNvPr id="109" name="Shape 109"/>
+        <p:cNvGrpSpPr/>
+        <p:nvPr/>
+      </p:nvGrpSpPr>
+      <p:grpSpPr>
+        <a:xfrm>
+          <a:off x="0" y="0"/>
+          <a:ext cx="0" cy="0"/>
+          <a:chOff x="0" y="0"/>
+          <a:chExt cx="0" cy="0"/>
+        </a:xfrm>
+      </p:grpSpPr>
+      <p:sp>
+        <p:nvSpPr>
+          <p:cNvPr id="110" name="Google Shape;110;p20"/>
+          <p:cNvSpPr txBox="1"/>
+          <p:nvPr>
+            <p:ph type="title"/>
+          </p:nvPr>
+        </p:nvSpPr>
+        <p:spPr>
+          <a:xfrm>
+            <a:off x="311725" y="500925"/>
+            <a:ext cx="3706500" cy="2508900"/>
+          </a:xfrm>
+          <a:prstGeom prst="rect">
+            <a:avLst/>
+          </a:prstGeom>
+        </p:spPr>
+        <p:txBody>
+          <a:bodyPr anchorCtr="0" anchor="t" bIns="91425" lIns="91425" spcFirstLastPara="1" rIns="91425" wrap="square" tIns="91425">
+            <a:normAutofit/>
+          </a:bodyPr>
+          <a:lstStyle/>
+          <a:p>
+            <a:pPr indent="0" lvl="0" marL="0" rtl="0" algn="l">
+              <a:spcBef>
+                <a:spcPts val="0"/>
+              </a:spcBef>
+              <a:spcAft>
+                <a:spcPts val="0"/>
+              </a:spcAft>
+              <a:buNone/>
+            </a:pPr>
+            <a:r>
+              <a:rPr lang="en"/>
+              <a:t>Milestone 1</a:t>
+            </a:r>
+            <a:endParaRPr/>
+          </a:p>
+        </p:txBody>
+      </p:sp>
+      <p:sp>
+        <p:nvSpPr>
+          <p:cNvPr id="111" name="Google Shape;111;p20"/>
+          <p:cNvSpPr txBox="1"/>
+          <p:nvPr>
+            <p:ph idx="1" type="body"/>
+          </p:nvPr>
+        </p:nvSpPr>
+        <p:spPr>
+          <a:xfrm>
+            <a:off x="4644675" y="500925"/>
+            <a:ext cx="4166400" cy="4098600"/>
+          </a:xfrm>
+          <a:prstGeom prst="rect">
+            <a:avLst/>
+          </a:prstGeom>
+        </p:spPr>
+        <p:txBody>
+          <a:bodyPr anchorCtr="0" anchor="t" bIns="91425" lIns="91425" spcFirstLastPara="1" rIns="91425" wrap="square" tIns="91425">
+            <a:normAutofit/>
+          </a:bodyPr>
+          <a:lstStyle/>
+          <a:p>
+            <a:pPr indent="-311150" lvl="0" marL="457200" rtl="0" algn="l">
+              <a:spcBef>
+                <a:spcPts val="0"/>
+              </a:spcBef>
+              <a:spcAft>
+                <a:spcPts val="0"/>
+              </a:spcAft>
+              <a:buSzPts val="1300"/>
+              <a:buChar char="●"/>
+            </a:pPr>
+            <a:r>
+              <a:rPr lang="en"/>
+              <a:t>Select and Learn a JS Framework for Development</a:t>
+            </a:r>
+            <a:endParaRPr/>
+          </a:p>
+          <a:p>
+            <a:pPr indent="-311150" lvl="0" marL="457200" rtl="0" algn="l">
+              <a:spcBef>
+                <a:spcPts val="0"/>
+              </a:spcBef>
+              <a:spcAft>
+                <a:spcPts val="0"/>
+              </a:spcAft>
+              <a:buSzPts val="1300"/>
+              <a:buChar char="●"/>
+            </a:pPr>
+            <a:r>
+              <a:rPr lang="en"/>
+              <a:t>Select and Learn a Mobile Development Toolkit for iOS/Android</a:t>
+            </a:r>
+            <a:endParaRPr/>
+          </a:p>
+          <a:p>
+            <a:pPr indent="-311150" lvl="0" marL="457200" rtl="0" algn="l">
+              <a:spcBef>
+                <a:spcPts val="0"/>
+              </a:spcBef>
+              <a:spcAft>
+                <a:spcPts val="0"/>
+              </a:spcAft>
+              <a:buSzPts val="1300"/>
+              <a:buChar char="●"/>
+            </a:pPr>
+            <a:r>
+              <a:rPr lang="en"/>
+              <a:t>Begin to Collect Historical Research and Images for the Application</a:t>
+            </a:r>
+            <a:endParaRPr/>
+          </a:p>
+          <a:p>
+            <a:pPr indent="-311150" lvl="0" marL="457200" rtl="0" algn="l">
+              <a:spcBef>
+                <a:spcPts val="0"/>
+              </a:spcBef>
+              <a:spcAft>
+                <a:spcPts val="0"/>
+              </a:spcAft>
+              <a:buSzPts val="1300"/>
+              <a:buChar char="●"/>
+            </a:pPr>
+            <a:r>
+              <a:rPr lang="en"/>
+              <a:t>Create UI Mock-Ups and Get Client Feedback</a:t>
+            </a:r>
+            <a:endParaRPr/>
+          </a:p>
+          <a:p>
+            <a:pPr indent="-311150" lvl="0" marL="457200" rtl="0" algn="l">
+              <a:spcBef>
+                <a:spcPts val="0"/>
+              </a:spcBef>
+              <a:spcAft>
+                <a:spcPts val="0"/>
+              </a:spcAft>
+              <a:buSzPts val="1300"/>
+              <a:buChar char="●"/>
+            </a:pPr>
+            <a:r>
+              <a:rPr lang="en"/>
+              <a:t>Create Requirement Document</a:t>
+            </a:r>
+            <a:endParaRPr/>
+          </a:p>
+          <a:p>
+            <a:pPr indent="-311150" lvl="0" marL="457200" rtl="0" algn="l">
+              <a:spcBef>
+                <a:spcPts val="0"/>
+              </a:spcBef>
+              <a:spcAft>
+                <a:spcPts val="0"/>
+              </a:spcAft>
+              <a:buSzPts val="1300"/>
+              <a:buChar char="●"/>
+            </a:pPr>
+            <a:r>
+              <a:rPr lang="en"/>
+              <a:t>Verify and Validate Requirements</a:t>
+            </a:r>
+            <a:endParaRPr/>
+          </a:p>
+          <a:p>
+            <a:pPr indent="-311150" lvl="0" marL="457200" rtl="0" algn="l">
+              <a:spcBef>
+                <a:spcPts val="0"/>
+              </a:spcBef>
+              <a:spcAft>
+                <a:spcPts val="0"/>
+              </a:spcAft>
+              <a:buSzPts val="1300"/>
+              <a:buChar char="●"/>
+            </a:pPr>
+            <a:r>
+              <a:rPr lang="en"/>
+              <a:t>Create Design Document</a:t>
+            </a:r>
+            <a:endParaRPr/>
+          </a:p>
+          <a:p>
+            <a:pPr indent="-311150" lvl="0" marL="457200" rtl="0" algn="l">
+              <a:spcBef>
+                <a:spcPts val="0"/>
+              </a:spcBef>
+              <a:spcAft>
+                <a:spcPts val="0"/>
+              </a:spcAft>
+              <a:buSzPts val="1300"/>
+              <a:buChar char="●"/>
+            </a:pPr>
+            <a:r>
+              <a:rPr lang="en"/>
+              <a:t>Create Test Plan</a:t>
+            </a:r>
+            <a:endParaRPr sz="1200">
+              <a:solidFill>
+                <a:srgbClr val="000000"/>
+              </a:solidFill>
+              <a:latin typeface="Times New Roman"/>
+              <a:ea typeface="Times New Roman"/>
+              <a:cs typeface="Times New Roman"/>
+              <a:sym typeface="Times New Roman"/>
+            </a:endParaRPr>
+          </a:p>
+          <a:p>
+            <a:pPr indent="0" lvl="0" marL="0" rtl="0" algn="l">
+              <a:spcBef>
+                <a:spcPts val="1200"/>
+              </a:spcBef>
+              <a:spcAft>
+                <a:spcPts val="1200"/>
+              </a:spcAft>
+              <a:buNone/>
+            </a:pPr>
+            <a:r>
+              <a:t/>
+            </a:r>
+            <a:endParaRPr/>
+          </a:p>
+        </p:txBody>
+      </p:sp>
+    </p:spTree>
+  </p:cSld>
+  <p:clrMapOvr>
+    <a:masterClrMapping/>
+  </p:clrMapOvr>
+</p:sld>
+</file>
+
+<file path=ppt/slides/slide9.xml><?xml version="1.0" encoding="utf-8"?>
+<p:sld xmlns:a="http://schemas.openxmlformats.org/drawingml/2006/main" xmlns:r="http://schemas.openxmlformats.org/officeDocument/2006/relationships" xmlns:mc="http://schemas.openxmlformats.org/markup-compatibility/2006" xmlns:mv="urn:schemas-microsoft-com:mac:vml" xmlns:p="http://schemas.openxmlformats.org/presentationml/2006/main" xmlns:c="http://schemas.openxmlformats.org/drawingml/2006/chart" xmlns:dgm="http://schemas.openxmlformats.org/drawingml/2006/diagram" xmlns:o="urn:schemas-microsoft-com:office:office" xmlns:v="urn:schemas-microsoft-com:vml" xmlns:pvml="urn:schemas-microsoft-com:office:powerpoint" xmlns:com="http://schemas.openxmlformats.org/drawingml/2006/compatibility" xmlns:p14="http://schemas.microsoft.com/office/powerpoint/2010/main" xmlns:p15="http://schemas.microsoft.com/office/powerpoint/2012/main" xmlns:ahyp="http://schemas.microsoft.com/office/drawing/2018/hyperlinkcolor">
+  <p:cSld>
+    <p:spTree>
+      <p:nvGrpSpPr>
+        <p:cNvPr id="115" name="Shape 115"/>
+        <p:cNvGrpSpPr/>
+        <p:nvPr/>
+      </p:nvGrpSpPr>
+      <p:grpSpPr>
+        <a:xfrm>
+          <a:off x="0" y="0"/>
+          <a:ext cx="0" cy="0"/>
+          <a:chOff x="0" y="0"/>
+          <a:chExt cx="0" cy="0"/>
+        </a:xfrm>
+      </p:grpSpPr>
+      <p:sp>
+        <p:nvSpPr>
+          <p:cNvPr id="116" name="Google Shape;116;p21"/>
+          <p:cNvSpPr txBox="1"/>
+          <p:nvPr>
+            <p:ph type="title"/>
+          </p:nvPr>
+        </p:nvSpPr>
+        <p:spPr>
+          <a:xfrm>
+            <a:off x="311725" y="500925"/>
+            <a:ext cx="3706500" cy="2508900"/>
+          </a:xfrm>
+          <a:prstGeom prst="rect">
+            <a:avLst/>
+          </a:prstGeom>
+        </p:spPr>
+        <p:txBody>
+          <a:bodyPr anchorCtr="0" anchor="t" bIns="91425" lIns="91425" spcFirstLastPara="1" rIns="91425" wrap="square" tIns="91425">
+            <a:normAutofit/>
+          </a:bodyPr>
+          <a:lstStyle/>
+          <a:p>
+            <a:pPr indent="0" lvl="0" marL="0" rtl="0" algn="l">
+              <a:spcBef>
+                <a:spcPts val="0"/>
+              </a:spcBef>
+              <a:spcAft>
+                <a:spcPts val="0"/>
+              </a:spcAft>
+              <a:buNone/>
+            </a:pPr>
+            <a:r>
+              <a:rPr lang="en"/>
+              <a:t>Milestone 2</a:t>
+            </a:r>
+            <a:endParaRPr/>
+          </a:p>
+        </p:txBody>
+      </p:sp>
+      <p:sp>
+        <p:nvSpPr>
+          <p:cNvPr id="117" name="Google Shape;117;p21"/>
+          <p:cNvSpPr txBox="1"/>
+          <p:nvPr>
+            <p:ph idx="1" type="body"/>
+          </p:nvPr>
+        </p:nvSpPr>
+        <p:spPr>
+          <a:xfrm>
+            <a:off x="4644675" y="500925"/>
+            <a:ext cx="4166400" cy="1785900"/>
+          </a:xfrm>
+          <a:prstGeom prst="rect">
+            <a:avLst/>
+          </a:prstGeom>
+        </p:spPr>
+        <p:txBody>
+          <a:bodyPr anchorCtr="0" anchor="t" bIns="91425" lIns="91425" spcFirstLastPara="1" rIns="91425" wrap="square" tIns="91425">
+            <a:normAutofit/>
+          </a:bodyPr>
+          <a:lstStyle/>
+          <a:p>
+            <a:pPr indent="-311150" lvl="0" marL="457200" rtl="0" algn="l">
+              <a:spcBef>
+                <a:spcPts val="0"/>
+              </a:spcBef>
+              <a:spcAft>
+                <a:spcPts val="0"/>
+              </a:spcAft>
+              <a:buSzPts val="1300"/>
+              <a:buChar char="●"/>
+            </a:pPr>
+            <a:r>
+              <a:rPr lang="en"/>
+              <a:t>Implement and Deploy Basic Web App/Mobile App</a:t>
+            </a:r>
+            <a:endParaRPr/>
+          </a:p>
+          <a:p>
+            <a:pPr indent="-311150" lvl="0" marL="457200" rtl="0" algn="l">
+              <a:spcBef>
+                <a:spcPts val="0"/>
+              </a:spcBef>
+              <a:spcAft>
+                <a:spcPts val="0"/>
+              </a:spcAft>
+              <a:buSzPts val="1300"/>
+              <a:buChar char="●"/>
+            </a:pPr>
+            <a:r>
+              <a:rPr lang="en"/>
+              <a:t>Choose GPS/Location Framework/API</a:t>
+            </a:r>
+            <a:endParaRPr/>
+          </a:p>
+          <a:p>
+            <a:pPr indent="-311150" lvl="0" marL="457200" rtl="0" algn="l">
+              <a:spcBef>
+                <a:spcPts val="0"/>
+              </a:spcBef>
+              <a:spcAft>
+                <a:spcPts val="0"/>
+              </a:spcAft>
+              <a:buSzPts val="1300"/>
+              <a:buChar char="●"/>
+            </a:pPr>
+            <a:r>
+              <a:rPr lang="en"/>
+              <a:t>Build Out Historical Database</a:t>
+            </a:r>
+            <a:endParaRPr/>
+          </a:p>
+        </p:txBody>
+      </p:sp>
+      <p:sp>
+        <p:nvSpPr>
+          <p:cNvPr id="118" name="Google Shape;118;p21"/>
+          <p:cNvSpPr txBox="1"/>
+          <p:nvPr>
+            <p:ph type="title"/>
+          </p:nvPr>
+        </p:nvSpPr>
+        <p:spPr>
+          <a:xfrm>
+            <a:off x="311725" y="2499350"/>
+            <a:ext cx="3706500" cy="2508900"/>
+          </a:xfrm>
+          <a:prstGeom prst="rect">
+            <a:avLst/>
+          </a:prstGeom>
+        </p:spPr>
+        <p:txBody>
+          <a:bodyPr anchorCtr="0" anchor="t" bIns="91425" lIns="91425" spcFirstLastPara="1" rIns="91425" wrap="square" tIns="91425">
+            <a:normAutofit/>
+          </a:bodyPr>
+          <a:lstStyle/>
+          <a:p>
+            <a:pPr indent="0" lvl="0" marL="0" rtl="0" algn="l">
+              <a:spcBef>
+                <a:spcPts val="0"/>
+              </a:spcBef>
+              <a:spcAft>
+                <a:spcPts val="0"/>
+              </a:spcAft>
+              <a:buNone/>
+            </a:pPr>
+            <a:r>
+              <a:rPr lang="en"/>
+              <a:t>Milestone 3</a:t>
+            </a:r>
+            <a:endParaRPr/>
+          </a:p>
+        </p:txBody>
+      </p:sp>
+      <p:sp>
+        <p:nvSpPr>
+          <p:cNvPr id="119" name="Google Shape;119;p21"/>
+          <p:cNvSpPr txBox="1"/>
+          <p:nvPr>
+            <p:ph idx="1" type="body"/>
+          </p:nvPr>
+        </p:nvSpPr>
+        <p:spPr>
+          <a:xfrm>
+            <a:off x="4797075" y="2571750"/>
+            <a:ext cx="4166400" cy="1785900"/>
+          </a:xfrm>
+          <a:prstGeom prst="rect">
+            <a:avLst/>
+          </a:prstGeom>
+        </p:spPr>
+        <p:txBody>
+          <a:bodyPr anchorCtr="0" anchor="t" bIns="91425" lIns="91425" spcFirstLastPara="1" rIns="91425" wrap="square" tIns="91425">
+            <a:normAutofit/>
+          </a:bodyPr>
+          <a:lstStyle/>
+          <a:p>
+            <a:pPr indent="-311150" lvl="0" marL="457200" rtl="0" algn="l">
+              <a:spcBef>
+                <a:spcPts val="0"/>
+              </a:spcBef>
+              <a:spcAft>
+                <a:spcPts val="0"/>
+              </a:spcAft>
+              <a:buSzPts val="1300"/>
+              <a:buChar char="●"/>
+            </a:pPr>
+            <a:r>
+              <a:rPr lang="en"/>
+              <a:t>Develop UI Further</a:t>
+            </a:r>
+            <a:endParaRPr/>
+          </a:p>
+          <a:p>
+            <a:pPr indent="-311150" lvl="0" marL="457200" rtl="0" algn="l">
+              <a:spcBef>
+                <a:spcPts val="0"/>
+              </a:spcBef>
+              <a:spcAft>
+                <a:spcPts val="0"/>
+              </a:spcAft>
+              <a:buSzPts val="1300"/>
+              <a:buChar char="●"/>
+            </a:pPr>
+            <a:r>
+              <a:rPr lang="en"/>
+              <a:t>Implement Timeline</a:t>
+            </a:r>
+            <a:endParaRPr/>
+          </a:p>
+          <a:p>
+            <a:pPr indent="-311150" lvl="0" marL="457200" rtl="0" algn="l">
+              <a:spcBef>
+                <a:spcPts val="0"/>
+              </a:spcBef>
+              <a:spcAft>
+                <a:spcPts val="0"/>
+              </a:spcAft>
+              <a:buSzPts val="1300"/>
+              <a:buChar char="●"/>
+            </a:pPr>
+            <a:r>
+              <a:rPr lang="en"/>
+              <a:t>Test GPS Popup On Arrival at a Location</a:t>
+            </a:r>
+            <a:endParaRPr/>
+          </a:p>
+          <a:p>
+            <a:pPr indent="-311150" lvl="0" marL="457200" rtl="0" algn="l">
+              <a:spcBef>
+                <a:spcPts val="0"/>
+              </a:spcBef>
+              <a:spcAft>
+                <a:spcPts val="0"/>
+              </a:spcAft>
+              <a:buSzPts val="1300"/>
+              <a:buChar char="●"/>
+            </a:pPr>
+            <a:r>
+              <a:rPr lang="en"/>
+              <a:t>Validate Historical Database into Application Timeline</a:t>
+            </a:r>
+            <a:endParaRPr/>
+          </a:p>
+        </p:txBody>
+      </p:sp>
     </p:spTree>
   </p:cSld>
   <p:clrMapOvr>
